--- a/week3/slides.pptx
+++ b/week3/slides.pptx
@@ -958,7 +958,6 @@
         <a:bodyPr/>
         <a:lstStyle/>
         <a:p>
-          <a:pPr algn="ctr"/>
           <a:r>
             <a:rPr lang="en-US" dirty="0"/>
             <a:t>Review HW1</a:t>
@@ -1150,7 +1149,7 @@
           </a:pPr>
           <a:r>
             <a:rPr lang="en-US" dirty="0"/>
-            <a:t>7:25 – 8:00</a:t>
+            <a:t>7:30 – 8:00</a:t>
           </a:r>
         </a:p>
       </dgm:t>
@@ -1339,7 +1338,6 @@
         <a:bodyPr/>
         <a:lstStyle/>
         <a:p>
-          <a:pPr algn="ctr"/>
           <a:r>
             <a:rPr lang="en-US" dirty="0"/>
             <a:t>Break</a:t>
@@ -1381,7 +1379,7 @@
           </a:pPr>
           <a:r>
             <a:rPr lang="en-US" dirty="0"/>
-            <a:t>8:20 – 9:00</a:t>
+            <a:t>8:20 – 8:50</a:t>
           </a:r>
         </a:p>
       </dgm:t>
@@ -1417,7 +1415,7 @@
         <a:p>
           <a:r>
             <a:rPr lang="en-US" dirty="0"/>
-            <a:t>Classification, TF-IDF</a:t>
+            <a:t>Perplexity and Likelihood, N-Grams</a:t>
           </a:r>
         </a:p>
       </dgm:t>
@@ -1456,7 +1454,7 @@
           </a:pPr>
           <a:r>
             <a:rPr lang="en-US" dirty="0"/>
-            <a:t>9:00 – 9:20</a:t>
+            <a:t>9:10 – 9:20</a:t>
           </a:r>
         </a:p>
       </dgm:t>
@@ -1492,7 +1490,7 @@
         <a:p>
           <a:r>
             <a:rPr lang="en-US" dirty="0"/>
-            <a:t>HW and Project Kickoff</a:t>
+            <a:t>HW</a:t>
           </a:r>
         </a:p>
       </dgm:t>
@@ -1531,7 +1529,7 @@
           </a:pPr>
           <a:r>
             <a:rPr lang="en-US" dirty="0"/>
-            <a:t>7:20-7:25</a:t>
+            <a:t>7:25-7:30</a:t>
           </a:r>
         </a:p>
       </dgm:t>
@@ -1565,7 +1563,6 @@
         <a:bodyPr/>
         <a:lstStyle/>
         <a:p>
-          <a:pPr algn="ctr"/>
           <a:r>
             <a:rPr lang="en-US" dirty="0"/>
             <a:t>Break</a:t>
@@ -1585,6 +1582,81 @@
       </dgm:t>
     </dgm:pt>
     <dgm:pt modelId="{F384D291-1589-B14B-9577-BAAD372F44E9}" type="sibTrans" cxnId="{B9D4E447-E4DD-8F48-AD18-A4451FBC2C54}">
+      <dgm:prSet/>
+      <dgm:spPr/>
+      <dgm:t>
+        <a:bodyPr/>
+        <a:lstStyle/>
+        <a:p>
+          <a:endParaRPr lang="en-US"/>
+        </a:p>
+      </dgm:t>
+    </dgm:pt>
+    <dgm:pt modelId="{C6B507A8-C021-7A4F-885C-EF5D1D0A9024}">
+      <dgm:prSet/>
+      <dgm:spPr/>
+      <dgm:t>
+        <a:bodyPr/>
+        <a:lstStyle/>
+        <a:p>
+          <a:pPr>
+            <a:defRPr b="1"/>
+          </a:pPr>
+          <a:r>
+            <a:rPr lang="en-US" dirty="0"/>
+            <a:t>8:50-9:10</a:t>
+          </a:r>
+        </a:p>
+      </dgm:t>
+    </dgm:pt>
+    <dgm:pt modelId="{4806FC0A-85DA-1A44-BC60-666348ECDD41}" type="parTrans" cxnId="{D1E0182F-39ED-3C4B-9A01-7BEB0BA113AA}">
+      <dgm:prSet/>
+      <dgm:spPr/>
+      <dgm:t>
+        <a:bodyPr/>
+        <a:lstStyle/>
+        <a:p>
+          <a:endParaRPr lang="en-US"/>
+        </a:p>
+      </dgm:t>
+    </dgm:pt>
+    <dgm:pt modelId="{96AD2EE9-AF7F-4E4A-A7D9-79E1F29CCFEA}" type="sibTrans" cxnId="{D1E0182F-39ED-3C4B-9A01-7BEB0BA113AA}">
+      <dgm:prSet/>
+      <dgm:spPr/>
+      <dgm:t>
+        <a:bodyPr/>
+        <a:lstStyle/>
+        <a:p>
+          <a:endParaRPr lang="en-US"/>
+        </a:p>
+      </dgm:t>
+    </dgm:pt>
+    <dgm:pt modelId="{50CEFF7D-0232-3F4E-AE7E-AB07568F7C70}">
+      <dgm:prSet/>
+      <dgm:spPr/>
+      <dgm:t>
+        <a:bodyPr/>
+        <a:lstStyle/>
+        <a:p>
+          <a:r>
+            <a:rPr lang="en-US" dirty="0"/>
+            <a:t>TF-IDF</a:t>
+          </a:r>
+        </a:p>
+      </dgm:t>
+    </dgm:pt>
+    <dgm:pt modelId="{EEBFF670-9F03-104C-9EAD-D1A6D9F9AEC4}" type="parTrans" cxnId="{244DE4F0-DD86-8243-92C8-42D173BB921E}">
+      <dgm:prSet/>
+      <dgm:spPr/>
+      <dgm:t>
+        <a:bodyPr/>
+        <a:lstStyle/>
+        <a:p>
+          <a:endParaRPr lang="en-US"/>
+        </a:p>
+      </dgm:t>
+    </dgm:pt>
+    <dgm:pt modelId="{635F6A83-ADE6-DD4C-B901-E5749F8A7DDD}" type="sibTrans" cxnId="{244DE4F0-DD86-8243-92C8-42D173BB921E}">
       <dgm:prSet/>
       <dgm:spPr/>
       <dgm:t>
@@ -1624,7 +1696,7 @@
       <dgm:spPr/>
     </dgm:pt>
     <dgm:pt modelId="{0C6CB82B-4D38-FB41-9004-7E2E848613E5}" type="pres">
-      <dgm:prSet presAssocID="{B54FB658-CF60-4FED-A5A6-E5C90FAA09A4}" presName="L1TextContainer" presStyleLbl="alignNode1" presStyleIdx="0" presStyleCnt="9">
+      <dgm:prSet presAssocID="{B54FB658-CF60-4FED-A5A6-E5C90FAA09A4}" presName="L1TextContainer" presStyleLbl="alignNode1" presStyleIdx="0" presStyleCnt="10">
         <dgm:presLayoutVars>
           <dgm:chMax val="1"/>
           <dgm:chPref val="1"/>
@@ -1642,7 +1714,7 @@
       <dgm:spPr/>
     </dgm:pt>
     <dgm:pt modelId="{38C1D5C2-CF61-104E-B50F-5E8379136A44}" type="pres">
-      <dgm:prSet presAssocID="{B54FB658-CF60-4FED-A5A6-E5C90FAA09A4}" presName="L2TextContainer" presStyleLbl="bgAccFollowNode1" presStyleIdx="0" presStyleCnt="9"/>
+      <dgm:prSet presAssocID="{B54FB658-CF60-4FED-A5A6-E5C90FAA09A4}" presName="L2TextContainer" presStyleLbl="bgAccFollowNode1" presStyleIdx="0" presStyleCnt="10"/>
       <dgm:spPr/>
     </dgm:pt>
     <dgm:pt modelId="{67D76671-A70B-0D45-9F74-8F635FB6A9B4}" type="pres">
@@ -1650,11 +1722,11 @@
       <dgm:spPr/>
     </dgm:pt>
     <dgm:pt modelId="{EFACDE30-CEEC-DA47-AF73-AAFC1F550F19}" type="pres">
-      <dgm:prSet presAssocID="{B54FB658-CF60-4FED-A5A6-E5C90FAA09A4}" presName="ConnectLine" presStyleLbl="sibTrans1D1" presStyleIdx="0" presStyleCnt="9"/>
+      <dgm:prSet presAssocID="{B54FB658-CF60-4FED-A5A6-E5C90FAA09A4}" presName="ConnectLine" presStyleLbl="sibTrans1D1" presStyleIdx="0" presStyleCnt="10"/>
       <dgm:spPr/>
     </dgm:pt>
     <dgm:pt modelId="{3F47A702-F3BF-714E-9DC2-F4F2BDFDC762}" type="pres">
-      <dgm:prSet presAssocID="{B54FB658-CF60-4FED-A5A6-E5C90FAA09A4}" presName="ConnectorPoint" presStyleLbl="node1" presStyleIdx="0" presStyleCnt="9"/>
+      <dgm:prSet presAssocID="{B54FB658-CF60-4FED-A5A6-E5C90FAA09A4}" presName="ConnectorPoint" presStyleLbl="node1" presStyleIdx="0" presStyleCnt="10"/>
       <dgm:spPr>
         <a:solidFill>
           <a:schemeClr val="accent2">
@@ -1691,7 +1763,7 @@
       <dgm:spPr/>
     </dgm:pt>
     <dgm:pt modelId="{A3C2AA3A-380A-C242-82D4-FF1DFDFE96DC}" type="pres">
-      <dgm:prSet presAssocID="{14ACB194-71BB-4898-9B67-2FA6DBE5C2D8}" presName="L1TextContainer" presStyleLbl="alignNode1" presStyleIdx="1" presStyleCnt="9">
+      <dgm:prSet presAssocID="{14ACB194-71BB-4898-9B67-2FA6DBE5C2D8}" presName="L1TextContainer" presStyleLbl="alignNode1" presStyleIdx="1" presStyleCnt="10">
         <dgm:presLayoutVars>
           <dgm:chMax val="1"/>
           <dgm:chPref val="1"/>
@@ -1709,7 +1781,7 @@
       <dgm:spPr/>
     </dgm:pt>
     <dgm:pt modelId="{87A2D70A-2FE6-624A-ACA6-67ED5F1CB006}" type="pres">
-      <dgm:prSet presAssocID="{14ACB194-71BB-4898-9B67-2FA6DBE5C2D8}" presName="L2TextContainer" presStyleLbl="bgAccFollowNode1" presStyleIdx="1" presStyleCnt="9"/>
+      <dgm:prSet presAssocID="{14ACB194-71BB-4898-9B67-2FA6DBE5C2D8}" presName="L2TextContainer" presStyleLbl="bgAccFollowNode1" presStyleIdx="1" presStyleCnt="10"/>
       <dgm:spPr/>
     </dgm:pt>
     <dgm:pt modelId="{9826383F-3A6A-744D-B576-B610FD3561E5}" type="pres">
@@ -1717,11 +1789,11 @@
       <dgm:spPr/>
     </dgm:pt>
     <dgm:pt modelId="{AAF71D0A-EDA1-9D46-9D4A-79946F543362}" type="pres">
-      <dgm:prSet presAssocID="{14ACB194-71BB-4898-9B67-2FA6DBE5C2D8}" presName="ConnectLine" presStyleLbl="sibTrans1D1" presStyleIdx="1" presStyleCnt="9"/>
+      <dgm:prSet presAssocID="{14ACB194-71BB-4898-9B67-2FA6DBE5C2D8}" presName="ConnectLine" presStyleLbl="sibTrans1D1" presStyleIdx="1" presStyleCnt="10"/>
       <dgm:spPr/>
     </dgm:pt>
     <dgm:pt modelId="{976E72B8-99D6-0640-813C-95E96BB76C17}" type="pres">
-      <dgm:prSet presAssocID="{14ACB194-71BB-4898-9B67-2FA6DBE5C2D8}" presName="ConnectorPoint" presStyleLbl="node1" presStyleIdx="1" presStyleCnt="9"/>
+      <dgm:prSet presAssocID="{14ACB194-71BB-4898-9B67-2FA6DBE5C2D8}" presName="ConnectorPoint" presStyleLbl="node1" presStyleIdx="1" presStyleCnt="10"/>
       <dgm:spPr>
         <a:solidFill>
           <a:schemeClr val="accent2">
@@ -1758,7 +1830,7 @@
       <dgm:spPr/>
     </dgm:pt>
     <dgm:pt modelId="{7AE95C9B-1BCE-9148-88A1-5F5A460FF7AF}" type="pres">
-      <dgm:prSet presAssocID="{95783E4C-4F5D-4E20-AA6C-5C5F9BAC7BCC}" presName="L1TextContainer" presStyleLbl="alignNode1" presStyleIdx="2" presStyleCnt="9">
+      <dgm:prSet presAssocID="{95783E4C-4F5D-4E20-AA6C-5C5F9BAC7BCC}" presName="L1TextContainer" presStyleLbl="alignNode1" presStyleIdx="2" presStyleCnt="10">
         <dgm:presLayoutVars>
           <dgm:chMax val="1"/>
           <dgm:chPref val="1"/>
@@ -1776,7 +1848,7 @@
       <dgm:spPr/>
     </dgm:pt>
     <dgm:pt modelId="{F6717096-E83B-C745-8025-6DCAFB62E5BF}" type="pres">
-      <dgm:prSet presAssocID="{95783E4C-4F5D-4E20-AA6C-5C5F9BAC7BCC}" presName="L2TextContainer" presStyleLbl="bgAccFollowNode1" presStyleIdx="2" presStyleCnt="9"/>
+      <dgm:prSet presAssocID="{95783E4C-4F5D-4E20-AA6C-5C5F9BAC7BCC}" presName="L2TextContainer" presStyleLbl="bgAccFollowNode1" presStyleIdx="2" presStyleCnt="10"/>
       <dgm:spPr/>
     </dgm:pt>
     <dgm:pt modelId="{44A3755A-682A-D44B-8193-1AFC6A279F12}" type="pres">
@@ -1784,11 +1856,11 @@
       <dgm:spPr/>
     </dgm:pt>
     <dgm:pt modelId="{E80CAB82-90E5-A34A-97E5-D162134ACAF2}" type="pres">
-      <dgm:prSet presAssocID="{95783E4C-4F5D-4E20-AA6C-5C5F9BAC7BCC}" presName="ConnectLine" presStyleLbl="sibTrans1D1" presStyleIdx="2" presStyleCnt="9"/>
+      <dgm:prSet presAssocID="{95783E4C-4F5D-4E20-AA6C-5C5F9BAC7BCC}" presName="ConnectLine" presStyleLbl="sibTrans1D1" presStyleIdx="2" presStyleCnt="10"/>
       <dgm:spPr/>
     </dgm:pt>
     <dgm:pt modelId="{5C911806-BFFB-FC4B-A224-067D91E1E064}" type="pres">
-      <dgm:prSet presAssocID="{95783E4C-4F5D-4E20-AA6C-5C5F9BAC7BCC}" presName="ConnectorPoint" presStyleLbl="node1" presStyleIdx="2" presStyleCnt="9"/>
+      <dgm:prSet presAssocID="{95783E4C-4F5D-4E20-AA6C-5C5F9BAC7BCC}" presName="ConnectorPoint" presStyleLbl="node1" presStyleIdx="2" presStyleCnt="10"/>
       <dgm:spPr>
         <a:solidFill>
           <a:schemeClr val="accent2">
@@ -1825,7 +1897,7 @@
       <dgm:spPr/>
     </dgm:pt>
     <dgm:pt modelId="{DD7F2F79-31F5-0E43-9E09-817CD22A2E97}" type="pres">
-      <dgm:prSet presAssocID="{4853A949-DDD4-1949-B0C3-BF0D83FA67D9}" presName="L1TextContainer" presStyleLbl="alignNode1" presStyleIdx="3" presStyleCnt="9">
+      <dgm:prSet presAssocID="{4853A949-DDD4-1949-B0C3-BF0D83FA67D9}" presName="L1TextContainer" presStyleLbl="alignNode1" presStyleIdx="3" presStyleCnt="10">
         <dgm:presLayoutVars>
           <dgm:chMax val="1"/>
           <dgm:chPref val="1"/>
@@ -1843,7 +1915,7 @@
       <dgm:spPr/>
     </dgm:pt>
     <dgm:pt modelId="{F3E731BF-201C-6F4C-8A91-66AA0F233088}" type="pres">
-      <dgm:prSet presAssocID="{4853A949-DDD4-1949-B0C3-BF0D83FA67D9}" presName="L2TextContainer" presStyleLbl="bgAccFollowNode1" presStyleIdx="3" presStyleCnt="9"/>
+      <dgm:prSet presAssocID="{4853A949-DDD4-1949-B0C3-BF0D83FA67D9}" presName="L2TextContainer" presStyleLbl="bgAccFollowNode1" presStyleIdx="3" presStyleCnt="10"/>
       <dgm:spPr/>
     </dgm:pt>
     <dgm:pt modelId="{C1B70C97-EACE-B04E-96BA-D39CB8BA6182}" type="pres">
@@ -1851,11 +1923,11 @@
       <dgm:spPr/>
     </dgm:pt>
     <dgm:pt modelId="{4551124C-9BE5-EC4A-8B49-66B6ACDE31C6}" type="pres">
-      <dgm:prSet presAssocID="{4853A949-DDD4-1949-B0C3-BF0D83FA67D9}" presName="ConnectLine" presStyleLbl="sibTrans1D1" presStyleIdx="3" presStyleCnt="9"/>
+      <dgm:prSet presAssocID="{4853A949-DDD4-1949-B0C3-BF0D83FA67D9}" presName="ConnectLine" presStyleLbl="sibTrans1D1" presStyleIdx="3" presStyleCnt="10"/>
       <dgm:spPr/>
     </dgm:pt>
     <dgm:pt modelId="{EB850F0B-C261-844F-AA19-D873E9C68AAB}" type="pres">
-      <dgm:prSet presAssocID="{4853A949-DDD4-1949-B0C3-BF0D83FA67D9}" presName="ConnectorPoint" presStyleLbl="node1" presStyleIdx="3" presStyleCnt="9"/>
+      <dgm:prSet presAssocID="{4853A949-DDD4-1949-B0C3-BF0D83FA67D9}" presName="ConnectorPoint" presStyleLbl="node1" presStyleIdx="3" presStyleCnt="10"/>
       <dgm:spPr>
         <a:solidFill>
           <a:schemeClr val="accent2">
@@ -1892,7 +1964,7 @@
       <dgm:spPr/>
     </dgm:pt>
     <dgm:pt modelId="{ED60FC82-8C8D-CF4F-97C9-3394EBEAFF8A}" type="pres">
-      <dgm:prSet presAssocID="{E3332335-6BE2-4250-AFA3-A105A753BC3B}" presName="L1TextContainer" presStyleLbl="alignNode1" presStyleIdx="4" presStyleCnt="9">
+      <dgm:prSet presAssocID="{E3332335-6BE2-4250-AFA3-A105A753BC3B}" presName="L1TextContainer" presStyleLbl="alignNode1" presStyleIdx="4" presStyleCnt="10">
         <dgm:presLayoutVars>
           <dgm:chMax val="1"/>
           <dgm:chPref val="1"/>
@@ -1910,7 +1982,7 @@
       <dgm:spPr/>
     </dgm:pt>
     <dgm:pt modelId="{1A2CE2C5-1944-9A42-B822-093ED8629716}" type="pres">
-      <dgm:prSet presAssocID="{E3332335-6BE2-4250-AFA3-A105A753BC3B}" presName="L2TextContainer" presStyleLbl="bgAccFollowNode1" presStyleIdx="4" presStyleCnt="9"/>
+      <dgm:prSet presAssocID="{E3332335-6BE2-4250-AFA3-A105A753BC3B}" presName="L2TextContainer" presStyleLbl="bgAccFollowNode1" presStyleIdx="4" presStyleCnt="10"/>
       <dgm:spPr/>
     </dgm:pt>
     <dgm:pt modelId="{6A6C5918-25E1-0742-9A7C-C06EE2AFBBBF}" type="pres">
@@ -1918,11 +1990,11 @@
       <dgm:spPr/>
     </dgm:pt>
     <dgm:pt modelId="{14919DA7-2AF0-6B49-AE4D-BBFB5951E495}" type="pres">
-      <dgm:prSet presAssocID="{E3332335-6BE2-4250-AFA3-A105A753BC3B}" presName="ConnectLine" presStyleLbl="sibTrans1D1" presStyleIdx="4" presStyleCnt="9"/>
+      <dgm:prSet presAssocID="{E3332335-6BE2-4250-AFA3-A105A753BC3B}" presName="ConnectLine" presStyleLbl="sibTrans1D1" presStyleIdx="4" presStyleCnt="10"/>
       <dgm:spPr/>
     </dgm:pt>
     <dgm:pt modelId="{398674C4-0E16-B040-8725-3FC65E4BA079}" type="pres">
-      <dgm:prSet presAssocID="{E3332335-6BE2-4250-AFA3-A105A753BC3B}" presName="ConnectorPoint" presStyleLbl="node1" presStyleIdx="4" presStyleCnt="9"/>
+      <dgm:prSet presAssocID="{E3332335-6BE2-4250-AFA3-A105A753BC3B}" presName="ConnectorPoint" presStyleLbl="node1" presStyleIdx="4" presStyleCnt="10"/>
       <dgm:spPr>
         <a:solidFill>
           <a:schemeClr val="accent2">
@@ -1959,7 +2031,7 @@
       <dgm:spPr/>
     </dgm:pt>
     <dgm:pt modelId="{A1D0AF6E-E3A8-B049-B7AB-0DF867DCCAEF}" type="pres">
-      <dgm:prSet presAssocID="{AAE2FA83-1ECE-4F35-BAB4-BAB3F59366A2}" presName="L1TextContainer" presStyleLbl="alignNode1" presStyleIdx="5" presStyleCnt="9">
+      <dgm:prSet presAssocID="{AAE2FA83-1ECE-4F35-BAB4-BAB3F59366A2}" presName="L1TextContainer" presStyleLbl="alignNode1" presStyleIdx="5" presStyleCnt="10">
         <dgm:presLayoutVars>
           <dgm:chMax val="1"/>
           <dgm:chPref val="1"/>
@@ -1977,7 +2049,7 @@
       <dgm:spPr/>
     </dgm:pt>
     <dgm:pt modelId="{F76CAAA2-371D-4A4B-9D68-A16A57FCF9A4}" type="pres">
-      <dgm:prSet presAssocID="{AAE2FA83-1ECE-4F35-BAB4-BAB3F59366A2}" presName="L2TextContainer" presStyleLbl="bgAccFollowNode1" presStyleIdx="5" presStyleCnt="9"/>
+      <dgm:prSet presAssocID="{AAE2FA83-1ECE-4F35-BAB4-BAB3F59366A2}" presName="L2TextContainer" presStyleLbl="bgAccFollowNode1" presStyleIdx="5" presStyleCnt="10"/>
       <dgm:spPr/>
     </dgm:pt>
     <dgm:pt modelId="{F5EE522B-9308-AE48-99EF-2B1EE025105F}" type="pres">
@@ -1985,11 +2057,11 @@
       <dgm:spPr/>
     </dgm:pt>
     <dgm:pt modelId="{0F90F0CE-2587-5E48-B021-13227B9C23AE}" type="pres">
-      <dgm:prSet presAssocID="{AAE2FA83-1ECE-4F35-BAB4-BAB3F59366A2}" presName="ConnectLine" presStyleLbl="sibTrans1D1" presStyleIdx="5" presStyleCnt="9"/>
+      <dgm:prSet presAssocID="{AAE2FA83-1ECE-4F35-BAB4-BAB3F59366A2}" presName="ConnectLine" presStyleLbl="sibTrans1D1" presStyleIdx="5" presStyleCnt="10"/>
       <dgm:spPr/>
     </dgm:pt>
     <dgm:pt modelId="{9987204D-7D5E-224E-9B52-14F0E3F3F80C}" type="pres">
-      <dgm:prSet presAssocID="{AAE2FA83-1ECE-4F35-BAB4-BAB3F59366A2}" presName="ConnectorPoint" presStyleLbl="node1" presStyleIdx="5" presStyleCnt="9"/>
+      <dgm:prSet presAssocID="{AAE2FA83-1ECE-4F35-BAB4-BAB3F59366A2}" presName="ConnectorPoint" presStyleLbl="node1" presStyleIdx="5" presStyleCnt="10"/>
       <dgm:spPr>
         <a:solidFill>
           <a:schemeClr val="accent2">
@@ -2026,7 +2098,7 @@
       <dgm:spPr/>
     </dgm:pt>
     <dgm:pt modelId="{42DF2B4F-81A3-8C48-9C74-196BA3EC2CCA}" type="pres">
-      <dgm:prSet presAssocID="{7E061A6D-4FA9-424F-809B-8A36C3990A0B}" presName="L1TextContainer" presStyleLbl="alignNode1" presStyleIdx="6" presStyleCnt="9">
+      <dgm:prSet presAssocID="{7E061A6D-4FA9-424F-809B-8A36C3990A0B}" presName="L1TextContainer" presStyleLbl="alignNode1" presStyleIdx="6" presStyleCnt="10">
         <dgm:presLayoutVars>
           <dgm:chMax val="1"/>
           <dgm:chPref val="1"/>
@@ -2044,7 +2116,7 @@
       <dgm:spPr/>
     </dgm:pt>
     <dgm:pt modelId="{904114FA-B506-0E41-9395-5AF8D280FD40}" type="pres">
-      <dgm:prSet presAssocID="{7E061A6D-4FA9-424F-809B-8A36C3990A0B}" presName="L2TextContainer" presStyleLbl="bgAccFollowNode1" presStyleIdx="6" presStyleCnt="9"/>
+      <dgm:prSet presAssocID="{7E061A6D-4FA9-424F-809B-8A36C3990A0B}" presName="L2TextContainer" presStyleLbl="bgAccFollowNode1" presStyleIdx="6" presStyleCnt="10"/>
       <dgm:spPr/>
     </dgm:pt>
     <dgm:pt modelId="{E7003383-CE1A-714A-ABFA-168656225F1E}" type="pres">
@@ -2052,11 +2124,11 @@
       <dgm:spPr/>
     </dgm:pt>
     <dgm:pt modelId="{C3E20828-B9A2-074B-806A-A57DE5E9F012}" type="pres">
-      <dgm:prSet presAssocID="{7E061A6D-4FA9-424F-809B-8A36C3990A0B}" presName="ConnectLine" presStyleLbl="sibTrans1D1" presStyleIdx="6" presStyleCnt="9"/>
+      <dgm:prSet presAssocID="{7E061A6D-4FA9-424F-809B-8A36C3990A0B}" presName="ConnectLine" presStyleLbl="sibTrans1D1" presStyleIdx="6" presStyleCnt="10"/>
       <dgm:spPr/>
     </dgm:pt>
     <dgm:pt modelId="{36F262F5-7500-BD4C-ADC3-B13F880C8102}" type="pres">
-      <dgm:prSet presAssocID="{7E061A6D-4FA9-424F-809B-8A36C3990A0B}" presName="ConnectorPoint" presStyleLbl="node1" presStyleIdx="6" presStyleCnt="9"/>
+      <dgm:prSet presAssocID="{7E061A6D-4FA9-424F-809B-8A36C3990A0B}" presName="ConnectorPoint" presStyleLbl="node1" presStyleIdx="6" presStyleCnt="10"/>
       <dgm:spPr>
         <a:solidFill>
           <a:schemeClr val="accent2">
@@ -2093,7 +2165,7 @@
       <dgm:spPr/>
     </dgm:pt>
     <dgm:pt modelId="{AB1A650E-A944-324F-9CA5-FFD61ADD2123}" type="pres">
-      <dgm:prSet presAssocID="{47123E12-51A5-484C-BFBF-655EC6F195BA}" presName="L1TextContainer" presStyleLbl="alignNode1" presStyleIdx="7" presStyleCnt="9">
+      <dgm:prSet presAssocID="{47123E12-51A5-484C-BFBF-655EC6F195BA}" presName="L1TextContainer" presStyleLbl="alignNode1" presStyleIdx="7" presStyleCnt="10">
         <dgm:presLayoutVars>
           <dgm:chMax val="1"/>
           <dgm:chPref val="1"/>
@@ -2111,7 +2183,7 @@
       <dgm:spPr/>
     </dgm:pt>
     <dgm:pt modelId="{6CB7BEEA-DDE4-6C48-A5D5-B8E5A5AB5B9D}" type="pres">
-      <dgm:prSet presAssocID="{47123E12-51A5-484C-BFBF-655EC6F195BA}" presName="L2TextContainer" presStyleLbl="bgAccFollowNode1" presStyleIdx="7" presStyleCnt="9"/>
+      <dgm:prSet presAssocID="{47123E12-51A5-484C-BFBF-655EC6F195BA}" presName="L2TextContainer" presStyleLbl="bgAccFollowNode1" presStyleIdx="7" presStyleCnt="10"/>
       <dgm:spPr/>
     </dgm:pt>
     <dgm:pt modelId="{3751D927-9A84-E34E-B22D-8BEA67D18EEE}" type="pres">
@@ -2119,11 +2191,11 @@
       <dgm:spPr/>
     </dgm:pt>
     <dgm:pt modelId="{945C20F7-19F5-E14B-BE71-4C38B77EEC76}" type="pres">
-      <dgm:prSet presAssocID="{47123E12-51A5-484C-BFBF-655EC6F195BA}" presName="ConnectLine" presStyleLbl="sibTrans1D1" presStyleIdx="7" presStyleCnt="9"/>
+      <dgm:prSet presAssocID="{47123E12-51A5-484C-BFBF-655EC6F195BA}" presName="ConnectLine" presStyleLbl="sibTrans1D1" presStyleIdx="7" presStyleCnt="10"/>
       <dgm:spPr/>
     </dgm:pt>
     <dgm:pt modelId="{3865D917-D0D1-6C47-ACC2-67767EE34BBD}" type="pres">
-      <dgm:prSet presAssocID="{47123E12-51A5-484C-BFBF-655EC6F195BA}" presName="ConnectorPoint" presStyleLbl="node1" presStyleIdx="7" presStyleCnt="9"/>
+      <dgm:prSet presAssocID="{47123E12-51A5-484C-BFBF-655EC6F195BA}" presName="ConnectorPoint" presStyleLbl="node1" presStyleIdx="7" presStyleCnt="10"/>
       <dgm:spPr>
         <a:solidFill>
           <a:schemeClr val="accent2">
@@ -2155,12 +2227,12 @@
       <dgm:prSet presAssocID="{E3109E92-431E-40B4-8E01-DD0AD7031544}" presName="spaceBetweenRectangles" presStyleCnt="0"/>
       <dgm:spPr/>
     </dgm:pt>
-    <dgm:pt modelId="{4024D7EB-4F11-4946-A8C1-93BCCB0AA3AC}" type="pres">
-      <dgm:prSet presAssocID="{C3FCFA0D-92F7-47DC-8C03-2D074861593A}" presName="composite" presStyleCnt="0"/>
-      <dgm:spPr/>
-    </dgm:pt>
-    <dgm:pt modelId="{C07DB92B-83AE-624B-A887-C5D81521E187}" type="pres">
-      <dgm:prSet presAssocID="{C3FCFA0D-92F7-47DC-8C03-2D074861593A}" presName="L1TextContainer" presStyleLbl="alignNode1" presStyleIdx="8" presStyleCnt="9">
+    <dgm:pt modelId="{81433A29-8348-8D41-888A-76E0FDDD7B81}" type="pres">
+      <dgm:prSet presAssocID="{C6B507A8-C021-7A4F-885C-EF5D1D0A9024}" presName="composite" presStyleCnt="0"/>
+      <dgm:spPr/>
+    </dgm:pt>
+    <dgm:pt modelId="{29A15B64-89C3-C842-8C3D-EF7E7DD09F02}" type="pres">
+      <dgm:prSet presAssocID="{C6B507A8-C021-7A4F-885C-EF5D1D0A9024}" presName="L1TextContainer" presStyleLbl="alignNode1" presStyleIdx="8" presStyleCnt="10">
         <dgm:presLayoutVars>
           <dgm:chMax val="1"/>
           <dgm:chPref val="1"/>
@@ -2169,6 +2241,73 @@
       </dgm:prSet>
       <dgm:spPr/>
     </dgm:pt>
+    <dgm:pt modelId="{59F86E5E-6A38-6243-8D1B-952DC4C67EAA}" type="pres">
+      <dgm:prSet presAssocID="{C6B507A8-C021-7A4F-885C-EF5D1D0A9024}" presName="L2TextContainerWrapper" presStyleCnt="0">
+        <dgm:presLayoutVars>
+          <dgm:bulletEnabled val="1"/>
+        </dgm:presLayoutVars>
+      </dgm:prSet>
+      <dgm:spPr/>
+    </dgm:pt>
+    <dgm:pt modelId="{AA80307C-8571-774E-B9C0-21772E90C39A}" type="pres">
+      <dgm:prSet presAssocID="{C6B507A8-C021-7A4F-885C-EF5D1D0A9024}" presName="L2TextContainer" presStyleLbl="bgAccFollowNode1" presStyleIdx="8" presStyleCnt="10"/>
+      <dgm:spPr/>
+    </dgm:pt>
+    <dgm:pt modelId="{775F1166-40AB-0247-A644-0BB96665D7B4}" type="pres">
+      <dgm:prSet presAssocID="{C6B507A8-C021-7A4F-885C-EF5D1D0A9024}" presName="FlexibleEmptyPlaceHolder" presStyleCnt="0"/>
+      <dgm:spPr/>
+    </dgm:pt>
+    <dgm:pt modelId="{E72E0925-6EFD-0541-995E-D2D869A1782A}" type="pres">
+      <dgm:prSet presAssocID="{C6B507A8-C021-7A4F-885C-EF5D1D0A9024}" presName="ConnectLine" presStyleLbl="sibTrans1D1" presStyleIdx="8" presStyleCnt="10"/>
+      <dgm:spPr/>
+    </dgm:pt>
+    <dgm:pt modelId="{2545BEF3-290D-204A-8888-44972FE01920}" type="pres">
+      <dgm:prSet presAssocID="{C6B507A8-C021-7A4F-885C-EF5D1D0A9024}" presName="ConnectorPoint" presStyleLbl="node1" presStyleIdx="8" presStyleCnt="10"/>
+      <dgm:spPr>
+        <a:solidFill>
+          <a:schemeClr val="accent2">
+            <a:hueOff val="1059320"/>
+            <a:satOff val="6145"/>
+            <a:lumOff val="6101"/>
+            <a:alphaOff val="0"/>
+          </a:schemeClr>
+        </a:solidFill>
+        <a:ln w="6350" cap="rnd" cmpd="sng" algn="ctr">
+          <a:solidFill>
+            <a:schemeClr val="lt1">
+              <a:hueOff val="0"/>
+              <a:satOff val="0"/>
+              <a:lumOff val="0"/>
+              <a:alphaOff val="0"/>
+            </a:schemeClr>
+          </a:solidFill>
+          <a:prstDash val="solid"/>
+        </a:ln>
+        <a:effectLst/>
+      </dgm:spPr>
+    </dgm:pt>
+    <dgm:pt modelId="{5AF6091A-D846-0A40-81F8-1FB8B5D91153}" type="pres">
+      <dgm:prSet presAssocID="{C6B507A8-C021-7A4F-885C-EF5D1D0A9024}" presName="EmptyPlaceHolder" presStyleCnt="0"/>
+      <dgm:spPr/>
+    </dgm:pt>
+    <dgm:pt modelId="{7C2B1E6D-DD98-F349-80DE-44828D75679D}" type="pres">
+      <dgm:prSet presAssocID="{96AD2EE9-AF7F-4E4A-A7D9-79E1F29CCFEA}" presName="spaceBetweenRectangles" presStyleCnt="0"/>
+      <dgm:spPr/>
+    </dgm:pt>
+    <dgm:pt modelId="{4024D7EB-4F11-4946-A8C1-93BCCB0AA3AC}" type="pres">
+      <dgm:prSet presAssocID="{C3FCFA0D-92F7-47DC-8C03-2D074861593A}" presName="composite" presStyleCnt="0"/>
+      <dgm:spPr/>
+    </dgm:pt>
+    <dgm:pt modelId="{C07DB92B-83AE-624B-A887-C5D81521E187}" type="pres">
+      <dgm:prSet presAssocID="{C3FCFA0D-92F7-47DC-8C03-2D074861593A}" presName="L1TextContainer" presStyleLbl="alignNode1" presStyleIdx="9" presStyleCnt="10">
+        <dgm:presLayoutVars>
+          <dgm:chMax val="1"/>
+          <dgm:chPref val="1"/>
+          <dgm:bulletEnabled val="1"/>
+        </dgm:presLayoutVars>
+      </dgm:prSet>
+      <dgm:spPr/>
+    </dgm:pt>
     <dgm:pt modelId="{BE44E156-FFF9-474D-8B83-2323DCB6B633}" type="pres">
       <dgm:prSet presAssocID="{C3FCFA0D-92F7-47DC-8C03-2D074861593A}" presName="L2TextContainerWrapper" presStyleCnt="0">
         <dgm:presLayoutVars>
@@ -2178,7 +2317,7 @@
       <dgm:spPr/>
     </dgm:pt>
     <dgm:pt modelId="{A56DC095-BA8E-CE4F-9630-EC646367BC35}" type="pres">
-      <dgm:prSet presAssocID="{C3FCFA0D-92F7-47DC-8C03-2D074861593A}" presName="L2TextContainer" presStyleLbl="bgAccFollowNode1" presStyleIdx="8" presStyleCnt="9"/>
+      <dgm:prSet presAssocID="{C3FCFA0D-92F7-47DC-8C03-2D074861593A}" presName="L2TextContainer" presStyleLbl="bgAccFollowNode1" presStyleIdx="9" presStyleCnt="10"/>
       <dgm:spPr/>
     </dgm:pt>
     <dgm:pt modelId="{6120902E-F512-934F-9AA6-7E06DB2F83E2}" type="pres">
@@ -2186,11 +2325,11 @@
       <dgm:spPr/>
     </dgm:pt>
     <dgm:pt modelId="{43B2DA92-57FF-2141-982C-D6C5775B0BE6}" type="pres">
-      <dgm:prSet presAssocID="{C3FCFA0D-92F7-47DC-8C03-2D074861593A}" presName="ConnectLine" presStyleLbl="sibTrans1D1" presStyleIdx="8" presStyleCnt="9"/>
+      <dgm:prSet presAssocID="{C3FCFA0D-92F7-47DC-8C03-2D074861593A}" presName="ConnectLine" presStyleLbl="sibTrans1D1" presStyleIdx="9" presStyleCnt="10"/>
       <dgm:spPr/>
     </dgm:pt>
     <dgm:pt modelId="{18A8E77F-01A8-9C49-A9F6-0E5A7B34CC8E}" type="pres">
-      <dgm:prSet presAssocID="{C3FCFA0D-92F7-47DC-8C03-2D074861593A}" presName="ConnectorPoint" presStyleLbl="node1" presStyleIdx="8" presStyleCnt="9"/>
+      <dgm:prSet presAssocID="{C3FCFA0D-92F7-47DC-8C03-2D074861593A}" presName="ConnectorPoint" presStyleLbl="node1" presStyleIdx="9" presStyleCnt="10"/>
       <dgm:spPr>
         <a:solidFill>
           <a:schemeClr val="accent2">
@@ -2220,10 +2359,12 @@
     </dgm:pt>
   </dgm:ptLst>
   <dgm:cxnLst>
+    <dgm:cxn modelId="{21C10800-939B-A746-B9D5-D9AD07A85585}" type="presOf" srcId="{C6B507A8-C021-7A4F-885C-EF5D1D0A9024}" destId="{29A15B64-89C3-C842-8C3D-EF7E7DD09F02}" srcOrd="0" destOrd="0" presId="urn:microsoft.com/office/officeart/2017/3/layout/HorizontalLabelsTimeline"/>
     <dgm:cxn modelId="{9E614802-665F-0649-A300-B6A8CCD8B2EB}" type="presOf" srcId="{D731AEE7-7DF9-464F-BEE8-3B8D020BEC08}" destId="{6CB7BEEA-DDE4-6C48-A5D5-B8E5A5AB5B9D}" srcOrd="0" destOrd="0" presId="urn:microsoft.com/office/officeart/2017/3/layout/HorizontalLabelsTimeline"/>
     <dgm:cxn modelId="{7B0C2303-9CBD-44F1-99AE-1F80CDD1CC93}" srcId="{47123E12-51A5-484C-BFBF-655EC6F195BA}" destId="{D731AEE7-7DF9-464F-BEE8-3B8D020BEC08}" srcOrd="0" destOrd="0" parTransId="{D55BF8DC-3370-4F4F-B21D-0C385B55C83A}" sibTransId="{840C928E-9E67-46CD-962B-C000F37C0815}"/>
     <dgm:cxn modelId="{68F0E109-5639-49AA-BC29-1AC9EE39C4BE}" srcId="{B9745A93-03F7-482E-8689-FC73D01E3F69}" destId="{14ACB194-71BB-4898-9B67-2FA6DBE5C2D8}" srcOrd="1" destOrd="0" parTransId="{0396E420-C8A6-49E4-8A2D-7E9AA234E3F6}" sibTransId="{0AA59406-80B3-407F-8B1E-BCDA3CF3FE09}"/>
     <dgm:cxn modelId="{5EB1301A-262D-4AAE-9D04-FD7AE062E2AC}" srcId="{B9745A93-03F7-482E-8689-FC73D01E3F69}" destId="{47123E12-51A5-484C-BFBF-655EC6F195BA}" srcOrd="7" destOrd="0" parTransId="{659BDCD6-FB53-419E-B8E1-677B78243819}" sibTransId="{E3109E92-431E-40B4-8E01-DD0AD7031544}"/>
+    <dgm:cxn modelId="{D1E0182F-39ED-3C4B-9A01-7BEB0BA113AA}" srcId="{B9745A93-03F7-482E-8689-FC73D01E3F69}" destId="{C6B507A8-C021-7A4F-885C-EF5D1D0A9024}" srcOrd="8" destOrd="0" parTransId="{4806FC0A-85DA-1A44-BC60-666348ECDD41}" sibTransId="{96AD2EE9-AF7F-4E4A-A7D9-79E1F29CCFEA}"/>
     <dgm:cxn modelId="{523B9D31-7247-45F4-9E99-1AE7FE09AE3D}" srcId="{B9745A93-03F7-482E-8689-FC73D01E3F69}" destId="{7E061A6D-4FA9-424F-809B-8A36C3990A0B}" srcOrd="6" destOrd="0" parTransId="{6AC2448D-8DB7-4605-A597-AD4A6F99D5D8}" sibTransId="{A4DF0605-AB97-4986-A7E6-69268083955B}"/>
     <dgm:cxn modelId="{BB2C2B3A-336E-4592-A321-43EE67A501C1}" srcId="{B54FB658-CF60-4FED-A5A6-E5C90FAA09A4}" destId="{F1B91396-46E2-44B5-A38A-32AC46B76F17}" srcOrd="0" destOrd="0" parTransId="{A038E725-A803-4105-87E5-EF49641B138E}" sibTransId="{70EB572A-57F9-4BDC-B91B-FE17FD6C3980}"/>
     <dgm:cxn modelId="{3ED9773C-FC72-4D99-A81F-D8083BD1582F}" srcId="{95783E4C-4F5D-4E20-AA6C-5C5F9BAC7BCC}" destId="{C1CCD10E-08BE-4B0C-BCD9-42298DEC7D72}" srcOrd="0" destOrd="0" parTransId="{DFBCA570-59DC-4B2C-A3F9-D0665B2C3C25}" sibTransId="{C842B9F2-135D-47E0-95B9-A55C39CA7CA5}"/>
@@ -2239,6 +2380,7 @@
     <dgm:cxn modelId="{5B577D6C-4037-4D17-BB7C-AE9E0F58EA8D}" srcId="{B9745A93-03F7-482E-8689-FC73D01E3F69}" destId="{B54FB658-CF60-4FED-A5A6-E5C90FAA09A4}" srcOrd="0" destOrd="0" parTransId="{89101E2A-022B-4DBB-B845-B3FC5CEFE5DB}" sibTransId="{7C148589-940D-4F3B-8DB9-80E18460EBCF}"/>
     <dgm:cxn modelId="{32D3067B-40DF-1147-B796-23FF7E1E1276}" type="presOf" srcId="{B54FB658-CF60-4FED-A5A6-E5C90FAA09A4}" destId="{0C6CB82B-4D38-FB41-9004-7E2E848613E5}" srcOrd="0" destOrd="0" presId="urn:microsoft.com/office/officeart/2017/3/layout/HorizontalLabelsTimeline"/>
     <dgm:cxn modelId="{202C437E-581C-6B40-828C-CC379116654A}" type="presOf" srcId="{B9745A93-03F7-482E-8689-FC73D01E3F69}" destId="{6556D8B6-D927-D14F-B0CB-4EFA10655043}" srcOrd="0" destOrd="0" presId="urn:microsoft.com/office/officeart/2017/3/layout/HorizontalLabelsTimeline"/>
+    <dgm:cxn modelId="{CC4D8485-C7C5-1743-A03D-ADBD78AD6D4A}" type="presOf" srcId="{50CEFF7D-0232-3F4E-AE7E-AB07568F7C70}" destId="{AA80307C-8571-774E-B9C0-21772E90C39A}" srcOrd="0" destOrd="0" presId="urn:microsoft.com/office/officeart/2017/3/layout/HorizontalLabelsTimeline"/>
     <dgm:cxn modelId="{74481C92-F648-41CC-BDDC-506612896087}" srcId="{B9745A93-03F7-482E-8689-FC73D01E3F69}" destId="{E3332335-6BE2-4250-AFA3-A105A753BC3B}" srcOrd="4" destOrd="0" parTransId="{4889459F-8E46-4126-8474-5A8162E4EEAD}" sibTransId="{E1067A30-0930-4725-AA68-73584DD68042}"/>
     <dgm:cxn modelId="{88A4E29A-28E6-2E48-BC65-C226862D8C96}" type="presOf" srcId="{C3FCFA0D-92F7-47DC-8C03-2D074861593A}" destId="{C07DB92B-83AE-624B-A887-C5D81521E187}" srcOrd="0" destOrd="0" presId="urn:microsoft.com/office/officeart/2017/3/layout/HorizontalLabelsTimeline"/>
     <dgm:cxn modelId="{615410AB-0B16-5141-91A1-E4651C85236E}" type="presOf" srcId="{F1B91396-46E2-44B5-A38A-32AC46B76F17}" destId="{38C1D5C2-CF61-104E-B50F-5E8379136A44}" srcOrd="0" destOrd="0" presId="urn:microsoft.com/office/officeart/2017/3/layout/HorizontalLabelsTimeline"/>
@@ -2253,7 +2395,8 @@
     <dgm:cxn modelId="{CAC81CE2-84C7-E541-9D42-6BEA70E03A02}" type="presOf" srcId="{E3332335-6BE2-4250-AFA3-A105A753BC3B}" destId="{ED60FC82-8C8D-CF4F-97C9-3394EBEAFF8A}" srcOrd="0" destOrd="0" presId="urn:microsoft.com/office/officeart/2017/3/layout/HorizontalLabelsTimeline"/>
     <dgm:cxn modelId="{94A306EC-5337-E541-8880-CE7CE7920290}" type="presOf" srcId="{A751261B-B468-0147-AC51-DB58D6CBB734}" destId="{F3E731BF-201C-6F4C-8A91-66AA0F233088}" srcOrd="0" destOrd="0" presId="urn:microsoft.com/office/officeart/2017/3/layout/HorizontalLabelsTimeline"/>
     <dgm:cxn modelId="{F70C98EE-984D-4CE7-8103-E1663DCF4E37}" srcId="{B9745A93-03F7-482E-8689-FC73D01E3F69}" destId="{AAE2FA83-1ECE-4F35-BAB4-BAB3F59366A2}" srcOrd="5" destOrd="0" parTransId="{F698E5BF-F28F-4488-AC43-9B17D39CE369}" sibTransId="{1D02C316-1FD5-4A38-8132-25EAFA73E0BE}"/>
-    <dgm:cxn modelId="{B600A5EF-0AA8-4FFD-AABF-078088918AFC}" srcId="{B9745A93-03F7-482E-8689-FC73D01E3F69}" destId="{C3FCFA0D-92F7-47DC-8C03-2D074861593A}" srcOrd="8" destOrd="0" parTransId="{E41DDD92-D4AC-479C-B785-3456B4C1CA44}" sibTransId="{9869221D-64CA-4961-8E63-22FFF901EE8B}"/>
+    <dgm:cxn modelId="{B600A5EF-0AA8-4FFD-AABF-078088918AFC}" srcId="{B9745A93-03F7-482E-8689-FC73D01E3F69}" destId="{C3FCFA0D-92F7-47DC-8C03-2D074861593A}" srcOrd="9" destOrd="0" parTransId="{E41DDD92-D4AC-479C-B785-3456B4C1CA44}" sibTransId="{9869221D-64CA-4961-8E63-22FFF901EE8B}"/>
+    <dgm:cxn modelId="{244DE4F0-DD86-8243-92C8-42D173BB921E}" srcId="{C6B507A8-C021-7A4F-885C-EF5D1D0A9024}" destId="{50CEFF7D-0232-3F4E-AE7E-AB07568F7C70}" srcOrd="0" destOrd="0" parTransId="{EEBFF670-9F03-104C-9EAD-D1A6D9F9AEC4}" sibTransId="{635F6A83-ADE6-DD4C-B901-E5749F8A7DDD}"/>
     <dgm:cxn modelId="{FB08DCF1-7A64-4824-9C52-84CDDCC9ED88}" srcId="{14ACB194-71BB-4898-9B67-2FA6DBE5C2D8}" destId="{06C9E34C-7860-4C1E-940F-FFB6C9A496A0}" srcOrd="0" destOrd="0" parTransId="{565AD4ED-C3E1-416D-823F-4A2E20633575}" sibTransId="{84539939-3AF2-4655-98AE-9666E9EF7D9B}"/>
     <dgm:cxn modelId="{CBC6B4F3-E154-8041-ABCC-0769BFDC4E6F}" type="presOf" srcId="{95783E4C-4F5D-4E20-AA6C-5C5F9BAC7BCC}" destId="{7AE95C9B-1BCE-9148-88A1-5F5A460FF7AF}" srcOrd="0" destOrd="0" presId="urn:microsoft.com/office/officeart/2017/3/layout/HorizontalLabelsTimeline"/>
     <dgm:cxn modelId="{5BEE3CF7-7732-3342-8224-3D5FDA83FD25}" type="presOf" srcId="{C1CCD10E-08BE-4B0C-BCD9-42298DEC7D72}" destId="{F6717096-E83B-C745-8025-6DCAFB62E5BF}" srcOrd="0" destOrd="0" presId="urn:microsoft.com/office/officeart/2017/3/layout/HorizontalLabelsTimeline"/>
@@ -2331,7 +2474,16 @@
     <dgm:cxn modelId="{01DC97CE-4793-C643-90E4-35E7D98F90FA}" type="presParOf" srcId="{37C96B72-C382-4D4B-A6E3-7F69087A24A0}" destId="{3865D917-D0D1-6C47-ACC2-67767EE34BBD}" srcOrd="3" destOrd="0" presId="urn:microsoft.com/office/officeart/2017/3/layout/HorizontalLabelsTimeline"/>
     <dgm:cxn modelId="{E3670EE9-3F1C-0543-9A4E-795F4CE9A8CA}" type="presParOf" srcId="{37C96B72-C382-4D4B-A6E3-7F69087A24A0}" destId="{69B4EC43-AC08-CF46-A311-EC1AC7AC19F3}" srcOrd="4" destOrd="0" presId="urn:microsoft.com/office/officeart/2017/3/layout/HorizontalLabelsTimeline"/>
     <dgm:cxn modelId="{3167B147-B792-5A47-856F-38C2ED3EF358}" type="presParOf" srcId="{ED39A619-2033-0443-A069-3E84D984F371}" destId="{1656F675-E5FB-944F-994E-5B0FEF60B303}" srcOrd="15" destOrd="0" presId="urn:microsoft.com/office/officeart/2017/3/layout/HorizontalLabelsTimeline"/>
-    <dgm:cxn modelId="{B68CCF3E-1B5A-D74A-B10A-E821E9945FB8}" type="presParOf" srcId="{ED39A619-2033-0443-A069-3E84D984F371}" destId="{4024D7EB-4F11-4946-A8C1-93BCCB0AA3AC}" srcOrd="16" destOrd="0" presId="urn:microsoft.com/office/officeart/2017/3/layout/HorizontalLabelsTimeline"/>
+    <dgm:cxn modelId="{0288F3B6-016B-2240-805A-8CF7C150C9AF}" type="presParOf" srcId="{ED39A619-2033-0443-A069-3E84D984F371}" destId="{81433A29-8348-8D41-888A-76E0FDDD7B81}" srcOrd="16" destOrd="0" presId="urn:microsoft.com/office/officeart/2017/3/layout/HorizontalLabelsTimeline"/>
+    <dgm:cxn modelId="{D48DC064-86FF-B144-B1D1-C95E3BBDAFCE}" type="presParOf" srcId="{81433A29-8348-8D41-888A-76E0FDDD7B81}" destId="{29A15B64-89C3-C842-8C3D-EF7E7DD09F02}" srcOrd="0" destOrd="0" presId="urn:microsoft.com/office/officeart/2017/3/layout/HorizontalLabelsTimeline"/>
+    <dgm:cxn modelId="{94E0098B-0E0B-274B-92BA-E0215290EC60}" type="presParOf" srcId="{81433A29-8348-8D41-888A-76E0FDDD7B81}" destId="{59F86E5E-6A38-6243-8D1B-952DC4C67EAA}" srcOrd="1" destOrd="0" presId="urn:microsoft.com/office/officeart/2017/3/layout/HorizontalLabelsTimeline"/>
+    <dgm:cxn modelId="{41132A86-BB8B-084F-91D3-E286F86CB510}" type="presParOf" srcId="{59F86E5E-6A38-6243-8D1B-952DC4C67EAA}" destId="{AA80307C-8571-774E-B9C0-21772E90C39A}" srcOrd="0" destOrd="0" presId="urn:microsoft.com/office/officeart/2017/3/layout/HorizontalLabelsTimeline"/>
+    <dgm:cxn modelId="{C57D3E65-3475-7744-BDFE-C2545C029F65}" type="presParOf" srcId="{59F86E5E-6A38-6243-8D1B-952DC4C67EAA}" destId="{775F1166-40AB-0247-A644-0BB96665D7B4}" srcOrd="1" destOrd="0" presId="urn:microsoft.com/office/officeart/2017/3/layout/HorizontalLabelsTimeline"/>
+    <dgm:cxn modelId="{439F13B8-3092-1C4F-976D-F49AEC157CB4}" type="presParOf" srcId="{81433A29-8348-8D41-888A-76E0FDDD7B81}" destId="{E72E0925-6EFD-0541-995E-D2D869A1782A}" srcOrd="2" destOrd="0" presId="urn:microsoft.com/office/officeart/2017/3/layout/HorizontalLabelsTimeline"/>
+    <dgm:cxn modelId="{C2675077-521B-1241-83FC-234F7BC2B4D0}" type="presParOf" srcId="{81433A29-8348-8D41-888A-76E0FDDD7B81}" destId="{2545BEF3-290D-204A-8888-44972FE01920}" srcOrd="3" destOrd="0" presId="urn:microsoft.com/office/officeart/2017/3/layout/HorizontalLabelsTimeline"/>
+    <dgm:cxn modelId="{A0B77159-93F9-E74E-9E00-E613BC1F43DD}" type="presParOf" srcId="{81433A29-8348-8D41-888A-76E0FDDD7B81}" destId="{5AF6091A-D846-0A40-81F8-1FB8B5D91153}" srcOrd="4" destOrd="0" presId="urn:microsoft.com/office/officeart/2017/3/layout/HorizontalLabelsTimeline"/>
+    <dgm:cxn modelId="{AD0ABD63-D589-DF46-9516-9020142CA5CC}" type="presParOf" srcId="{ED39A619-2033-0443-A069-3E84D984F371}" destId="{7C2B1E6D-DD98-F349-80DE-44828D75679D}" srcOrd="17" destOrd="0" presId="urn:microsoft.com/office/officeart/2017/3/layout/HorizontalLabelsTimeline"/>
+    <dgm:cxn modelId="{B68CCF3E-1B5A-D74A-B10A-E821E9945FB8}" type="presParOf" srcId="{ED39A619-2033-0443-A069-3E84D984F371}" destId="{4024D7EB-4F11-4946-A8C1-93BCCB0AA3AC}" srcOrd="18" destOrd="0" presId="urn:microsoft.com/office/officeart/2017/3/layout/HorizontalLabelsTimeline"/>
     <dgm:cxn modelId="{8E1CF0C0-65C0-A44D-9003-4F7EF40AC733}" type="presParOf" srcId="{4024D7EB-4F11-4946-A8C1-93BCCB0AA3AC}" destId="{C07DB92B-83AE-624B-A887-C5D81521E187}" srcOrd="0" destOrd="0" presId="urn:microsoft.com/office/officeart/2017/3/layout/HorizontalLabelsTimeline"/>
     <dgm:cxn modelId="{E5A6622E-E9D2-2C42-B87D-5302D74B7C26}" type="presParOf" srcId="{4024D7EB-4F11-4946-A8C1-93BCCB0AA3AC}" destId="{BE44E156-FFF9-474D-8B83-2323DCB6B633}" srcOrd="1" destOrd="0" presId="urn:microsoft.com/office/officeart/2017/3/layout/HorizontalLabelsTimeline"/>
     <dgm:cxn modelId="{59BA130E-5400-174F-8C7F-7881A64E01A4}" type="presParOf" srcId="{BE44E156-FFF9-474D-8B83-2323DCB6B633}" destId="{A56DC095-BA8E-CE4F-9630-EC646367BC35}" srcOrd="0" destOrd="0" presId="urn:microsoft.com/office/officeart/2017/3/layout/HorizontalLabelsTimeline"/>
@@ -2413,8 +2565,8 @@
       </dsp:nvSpPr>
       <dsp:spPr>
         <a:xfrm>
-          <a:off x="133673" y="1140253"/>
-          <a:ext cx="1940797" cy="441388"/>
+          <a:off x="125594" y="1140253"/>
+          <a:ext cx="1763068" cy="441388"/>
         </a:xfrm>
         <a:prstGeom prst="rect">
           <a:avLst/>
@@ -2480,8 +2632,8 @@
         </a:p>
       </dsp:txBody>
       <dsp:txXfrm>
-        <a:off x="133673" y="1140253"/>
-        <a:ext cx="1940797" cy="441388"/>
+        <a:off x="125594" y="1140253"/>
+        <a:ext cx="1763068" cy="441388"/>
       </dsp:txXfrm>
     </dsp:sp>
     <dsp:sp modelId="{38C1D5C2-CF61-104E-B50F-5E8379136A44}">
@@ -2491,8 +2643,8 @@
       </dsp:nvSpPr>
       <dsp:spPr>
         <a:xfrm>
-          <a:off x="133673" y="653864"/>
-          <a:ext cx="1940797" cy="486389"/>
+          <a:off x="125594" y="653864"/>
+          <a:ext cx="1763068" cy="486389"/>
         </a:xfrm>
         <a:prstGeom prst="rect">
           <a:avLst/>
@@ -2540,7 +2692,7 @@
         </a:bodyPr>
         <a:lstStyle/>
         <a:p>
-          <a:pPr marL="0" lvl="0" indent="0" algn="ctr" defTabSz="666750">
+          <a:pPr marL="0" lvl="0" indent="0" algn="l" defTabSz="666750">
             <a:lnSpc>
               <a:spcPct val="90000"/>
             </a:lnSpc>
@@ -2559,8 +2711,8 @@
         </a:p>
       </dsp:txBody>
       <dsp:txXfrm>
-        <a:off x="133673" y="653864"/>
-        <a:ext cx="1940797" cy="486389"/>
+        <a:off x="125594" y="653864"/>
+        <a:ext cx="1763068" cy="486389"/>
       </dsp:txXfrm>
     </dsp:sp>
     <dsp:sp modelId="{EFACDE30-CEEC-DA47-AF73-AAFC1F550F19}">
@@ -2570,7 +2722,7 @@
       </dsp:nvSpPr>
       <dsp:spPr>
         <a:xfrm>
-          <a:off x="1104072" y="1581642"/>
+          <a:off x="1007129" y="1581642"/>
           <a:ext cx="0" cy="257476"/>
         </a:xfrm>
         <a:prstGeom prst="line">
@@ -2610,26 +2762,26 @@
       </dsp:nvSpPr>
       <dsp:spPr>
         <a:xfrm>
-          <a:off x="1236399" y="2096595"/>
-          <a:ext cx="1940797" cy="441388"/>
+          <a:off x="1127338" y="2096595"/>
+          <a:ext cx="1763068" cy="441388"/>
         </a:xfrm>
         <a:prstGeom prst="rect">
           <a:avLst/>
         </a:prstGeom>
         <a:solidFill>
           <a:schemeClr val="accent2">
-            <a:hueOff val="148967"/>
-            <a:satOff val="864"/>
-            <a:lumOff val="858"/>
+            <a:hueOff val="132415"/>
+            <a:satOff val="768"/>
+            <a:lumOff val="763"/>
             <a:alphaOff val="0"/>
           </a:schemeClr>
         </a:solidFill>
         <a:ln w="22225" cap="rnd" cmpd="sng" algn="ctr">
           <a:solidFill>
             <a:schemeClr val="accent2">
-              <a:hueOff val="148967"/>
-              <a:satOff val="864"/>
-              <a:lumOff val="858"/>
+              <a:hueOff val="132415"/>
+              <a:satOff val="768"/>
+              <a:lumOff val="763"/>
               <a:alphaOff val="0"/>
             </a:schemeClr>
           </a:solidFill>
@@ -2677,8 +2829,8 @@
         </a:p>
       </dsp:txBody>
       <dsp:txXfrm>
-        <a:off x="1236399" y="2096595"/>
-        <a:ext cx="1940797" cy="441388"/>
+        <a:off x="1127338" y="2096595"/>
+        <a:ext cx="1763068" cy="441388"/>
       </dsp:txXfrm>
     </dsp:sp>
     <dsp:sp modelId="{87A2D70A-2FE6-624A-ACA6-67ED5F1CB006}">
@@ -2688,8 +2840,8 @@
       </dsp:nvSpPr>
       <dsp:spPr>
         <a:xfrm>
-          <a:off x="1236399" y="2537984"/>
-          <a:ext cx="1940797" cy="694842"/>
+          <a:off x="1127338" y="2537984"/>
+          <a:ext cx="1763068" cy="694842"/>
         </a:xfrm>
         <a:prstGeom prst="rect">
           <a:avLst/>
@@ -2698,9 +2850,9 @@
           <a:schemeClr val="accent2">
             <a:tint val="40000"/>
             <a:alpha val="90000"/>
-            <a:hueOff val="130599"/>
-            <a:satOff val="1681"/>
-            <a:lumOff val="219"/>
+            <a:hueOff val="116088"/>
+            <a:satOff val="1494"/>
+            <a:lumOff val="195"/>
             <a:alphaOff val="0"/>
           </a:schemeClr>
         </a:solidFill>
@@ -2709,9 +2861,9 @@
             <a:schemeClr val="accent2">
               <a:tint val="40000"/>
               <a:alpha val="90000"/>
-              <a:hueOff val="130599"/>
-              <a:satOff val="1681"/>
-              <a:lumOff val="219"/>
+              <a:hueOff val="116088"/>
+              <a:satOff val="1494"/>
+              <a:lumOff val="195"/>
               <a:alphaOff val="0"/>
             </a:schemeClr>
           </a:solidFill>
@@ -2756,8 +2908,8 @@
         </a:p>
       </dsp:txBody>
       <dsp:txXfrm>
-        <a:off x="1236399" y="2537984"/>
-        <a:ext cx="1940797" cy="694842"/>
+        <a:off x="1127338" y="2537984"/>
+        <a:ext cx="1763068" cy="694842"/>
       </dsp:txXfrm>
     </dsp:sp>
     <dsp:sp modelId="{AAF71D0A-EDA1-9D46-9D4A-79946F543362}">
@@ -2767,7 +2919,7 @@
       </dsp:nvSpPr>
       <dsp:spPr>
         <a:xfrm>
-          <a:off x="2206797" y="1839118"/>
+          <a:off x="2008872" y="1839118"/>
           <a:ext cx="0" cy="257476"/>
         </a:xfrm>
         <a:prstGeom prst="line">
@@ -2777,9 +2929,9 @@
         <a:ln w="12700" cap="rnd" cmpd="sng" algn="ctr">
           <a:solidFill>
             <a:schemeClr val="accent2">
-              <a:hueOff val="148967"/>
-              <a:satOff val="864"/>
-              <a:lumOff val="858"/>
+              <a:hueOff val="132415"/>
+              <a:satOff val="768"/>
+              <a:lumOff val="763"/>
               <a:alphaOff val="0"/>
             </a:schemeClr>
           </a:solidFill>
@@ -2807,7 +2959,7 @@
       </dsp:nvSpPr>
       <dsp:spPr>
         <a:xfrm rot="2700000">
-          <a:off x="1075462" y="1810509"/>
+          <a:off x="978519" y="1810509"/>
           <a:ext cx="57219" cy="57219"/>
         </a:xfrm>
         <a:prstGeom prst="rect">
@@ -2856,7 +3008,7 @@
       </dsp:nvSpPr>
       <dsp:spPr>
         <a:xfrm rot="2700000">
-          <a:off x="2178187" y="1810509"/>
+          <a:off x="1980262" y="1810509"/>
           <a:ext cx="57219" cy="57219"/>
         </a:xfrm>
         <a:prstGeom prst="rect">
@@ -2905,26 +3057,26 @@
       </dsp:nvSpPr>
       <dsp:spPr>
         <a:xfrm>
-          <a:off x="2339124" y="1140253"/>
-          <a:ext cx="1940797" cy="441388"/>
+          <a:off x="2129081" y="1140253"/>
+          <a:ext cx="1763068" cy="441388"/>
         </a:xfrm>
         <a:prstGeom prst="rect">
           <a:avLst/>
         </a:prstGeom>
         <a:solidFill>
           <a:schemeClr val="accent2">
-            <a:hueOff val="297934"/>
-            <a:satOff val="1728"/>
-            <a:lumOff val="1716"/>
+            <a:hueOff val="264830"/>
+            <a:satOff val="1536"/>
+            <a:lumOff val="1525"/>
             <a:alphaOff val="0"/>
           </a:schemeClr>
         </a:solidFill>
         <a:ln w="22225" cap="rnd" cmpd="sng" algn="ctr">
           <a:solidFill>
             <a:schemeClr val="accent2">
-              <a:hueOff val="297934"/>
-              <a:satOff val="1728"/>
-              <a:lumOff val="1716"/>
+              <a:hueOff val="264830"/>
+              <a:satOff val="1536"/>
+              <a:lumOff val="1525"/>
               <a:alphaOff val="0"/>
             </a:schemeClr>
           </a:solidFill>
@@ -2972,8 +3124,8 @@
         </a:p>
       </dsp:txBody>
       <dsp:txXfrm>
-        <a:off x="2339124" y="1140253"/>
-        <a:ext cx="1940797" cy="441388"/>
+        <a:off x="2129081" y="1140253"/>
+        <a:ext cx="1763068" cy="441388"/>
       </dsp:txXfrm>
     </dsp:sp>
     <dsp:sp modelId="{F6717096-E83B-C745-8025-6DCAFB62E5BF}">
@@ -2983,8 +3135,8 @@
       </dsp:nvSpPr>
       <dsp:spPr>
         <a:xfrm>
-          <a:off x="2339124" y="445411"/>
-          <a:ext cx="1940797" cy="694842"/>
+          <a:off x="2129081" y="250855"/>
+          <a:ext cx="1763068" cy="889397"/>
         </a:xfrm>
         <a:prstGeom prst="rect">
           <a:avLst/>
@@ -2993,9 +3145,9 @@
           <a:schemeClr val="accent2">
             <a:tint val="40000"/>
             <a:alpha val="90000"/>
-            <a:hueOff val="261197"/>
-            <a:satOff val="3362"/>
-            <a:lumOff val="438"/>
+            <a:hueOff val="232175"/>
+            <a:satOff val="2988"/>
+            <a:lumOff val="389"/>
             <a:alphaOff val="0"/>
           </a:schemeClr>
         </a:solidFill>
@@ -3004,9 +3156,9 @@
             <a:schemeClr val="accent2">
               <a:tint val="40000"/>
               <a:alpha val="90000"/>
-              <a:hueOff val="261197"/>
-              <a:satOff val="3362"/>
-              <a:lumOff val="438"/>
+              <a:hueOff val="232175"/>
+              <a:satOff val="2988"/>
+              <a:lumOff val="389"/>
               <a:alphaOff val="0"/>
             </a:schemeClr>
           </a:solidFill>
@@ -3051,8 +3203,8 @@
         </a:p>
       </dsp:txBody>
       <dsp:txXfrm>
-        <a:off x="2339124" y="445411"/>
-        <a:ext cx="1940797" cy="694842"/>
+        <a:off x="2129081" y="250855"/>
+        <a:ext cx="1763068" cy="889397"/>
       </dsp:txXfrm>
     </dsp:sp>
     <dsp:sp modelId="{E80CAB82-90E5-A34A-97E5-D162134ACAF2}">
@@ -3062,7 +3214,7 @@
       </dsp:nvSpPr>
       <dsp:spPr>
         <a:xfrm>
-          <a:off x="3309523" y="1581642"/>
+          <a:off x="3010616" y="1581642"/>
           <a:ext cx="0" cy="257476"/>
         </a:xfrm>
         <a:prstGeom prst="line">
@@ -3072,9 +3224,9 @@
         <a:ln w="12700" cap="rnd" cmpd="sng" algn="ctr">
           <a:solidFill>
             <a:schemeClr val="accent2">
-              <a:hueOff val="297934"/>
-              <a:satOff val="1728"/>
-              <a:lumOff val="1716"/>
+              <a:hueOff val="264830"/>
+              <a:satOff val="1536"/>
+              <a:lumOff val="1525"/>
               <a:alphaOff val="0"/>
             </a:schemeClr>
           </a:solidFill>
@@ -3102,26 +3254,26 @@
       </dsp:nvSpPr>
       <dsp:spPr>
         <a:xfrm>
-          <a:off x="3441850" y="2096595"/>
-          <a:ext cx="1940797" cy="441388"/>
+          <a:off x="3130825" y="2096595"/>
+          <a:ext cx="1763068" cy="441388"/>
         </a:xfrm>
         <a:prstGeom prst="rect">
           <a:avLst/>
         </a:prstGeom>
         <a:solidFill>
           <a:schemeClr val="accent2">
-            <a:hueOff val="446900"/>
-            <a:satOff val="2592"/>
-            <a:lumOff val="2574"/>
+            <a:hueOff val="397245"/>
+            <a:satOff val="2304"/>
+            <a:lumOff val="2288"/>
             <a:alphaOff val="0"/>
           </a:schemeClr>
         </a:solidFill>
         <a:ln w="22225" cap="rnd" cmpd="sng" algn="ctr">
           <a:solidFill>
             <a:schemeClr val="accent2">
-              <a:hueOff val="446900"/>
-              <a:satOff val="2592"/>
-              <a:lumOff val="2574"/>
+              <a:hueOff val="397245"/>
+              <a:satOff val="2304"/>
+              <a:lumOff val="2288"/>
               <a:alphaOff val="0"/>
             </a:schemeClr>
           </a:solidFill>
@@ -3164,13 +3316,13 @@
           </a:pPr>
           <a:r>
             <a:rPr lang="en-US" sz="1800" kern="1200" dirty="0"/>
-            <a:t>7:20-7:25</a:t>
+            <a:t>7:25-7:30</a:t>
           </a:r>
         </a:p>
       </dsp:txBody>
       <dsp:txXfrm>
-        <a:off x="3441850" y="2096595"/>
-        <a:ext cx="1940797" cy="441388"/>
+        <a:off x="3130825" y="2096595"/>
+        <a:ext cx="1763068" cy="441388"/>
       </dsp:txXfrm>
     </dsp:sp>
     <dsp:sp modelId="{F3E731BF-201C-6F4C-8A91-66AA0F233088}">
@@ -3180,8 +3332,8 @@
       </dsp:nvSpPr>
       <dsp:spPr>
         <a:xfrm>
-          <a:off x="3441850" y="2537984"/>
-          <a:ext cx="1940797" cy="486389"/>
+          <a:off x="3130825" y="2537984"/>
+          <a:ext cx="1763068" cy="486389"/>
         </a:xfrm>
         <a:prstGeom prst="rect">
           <a:avLst/>
@@ -3190,9 +3342,9 @@
           <a:schemeClr val="accent2">
             <a:tint val="40000"/>
             <a:alpha val="90000"/>
-            <a:hueOff val="391796"/>
-            <a:satOff val="5042"/>
-            <a:lumOff val="657"/>
+            <a:hueOff val="348263"/>
+            <a:satOff val="4482"/>
+            <a:lumOff val="584"/>
             <a:alphaOff val="0"/>
           </a:schemeClr>
         </a:solidFill>
@@ -3201,9 +3353,9 @@
             <a:schemeClr val="accent2">
               <a:tint val="40000"/>
               <a:alpha val="90000"/>
-              <a:hueOff val="391796"/>
-              <a:satOff val="5042"/>
-              <a:lumOff val="657"/>
+              <a:hueOff val="348263"/>
+              <a:satOff val="4482"/>
+              <a:lumOff val="584"/>
               <a:alphaOff val="0"/>
             </a:schemeClr>
           </a:solidFill>
@@ -3229,7 +3381,7 @@
         </a:bodyPr>
         <a:lstStyle/>
         <a:p>
-          <a:pPr marL="0" lvl="0" indent="0" algn="ctr" defTabSz="666750">
+          <a:pPr marL="0" lvl="0" indent="0" algn="l" defTabSz="666750">
             <a:lnSpc>
               <a:spcPct val="90000"/>
             </a:lnSpc>
@@ -3248,8 +3400,8 @@
         </a:p>
       </dsp:txBody>
       <dsp:txXfrm>
-        <a:off x="3441850" y="2537984"/>
-        <a:ext cx="1940797" cy="486389"/>
+        <a:off x="3130825" y="2537984"/>
+        <a:ext cx="1763068" cy="486389"/>
       </dsp:txXfrm>
     </dsp:sp>
     <dsp:sp modelId="{4551124C-9BE5-EC4A-8B49-66B6ACDE31C6}">
@@ -3259,7 +3411,7 @@
       </dsp:nvSpPr>
       <dsp:spPr>
         <a:xfrm>
-          <a:off x="4412249" y="1839118"/>
+          <a:off x="4012359" y="1839118"/>
           <a:ext cx="0" cy="257476"/>
         </a:xfrm>
         <a:prstGeom prst="line">
@@ -3269,9 +3421,9 @@
         <a:ln w="12700" cap="rnd" cmpd="sng" algn="ctr">
           <a:solidFill>
             <a:schemeClr val="accent2">
-              <a:hueOff val="446900"/>
-              <a:satOff val="2592"/>
-              <a:lumOff val="2574"/>
+              <a:hueOff val="397245"/>
+              <a:satOff val="2304"/>
+              <a:lumOff val="2288"/>
               <a:alphaOff val="0"/>
             </a:schemeClr>
           </a:solidFill>
@@ -3299,7 +3451,7 @@
       </dsp:nvSpPr>
       <dsp:spPr>
         <a:xfrm rot="2700000">
-          <a:off x="3280913" y="1810509"/>
+          <a:off x="2982006" y="1810509"/>
           <a:ext cx="57219" cy="57219"/>
         </a:xfrm>
         <a:prstGeom prst="rect">
@@ -3348,7 +3500,7 @@
       </dsp:nvSpPr>
       <dsp:spPr>
         <a:xfrm rot="2700000">
-          <a:off x="4383639" y="1810509"/>
+          <a:off x="3983749" y="1810509"/>
           <a:ext cx="57219" cy="57219"/>
         </a:xfrm>
         <a:prstGeom prst="rect">
@@ -3397,26 +3549,26 @@
       </dsp:nvSpPr>
       <dsp:spPr>
         <a:xfrm>
-          <a:off x="4544576" y="1140253"/>
-          <a:ext cx="1940797" cy="441388"/>
+          <a:off x="4132568" y="1140253"/>
+          <a:ext cx="1763068" cy="441388"/>
         </a:xfrm>
         <a:prstGeom prst="rect">
           <a:avLst/>
         </a:prstGeom>
         <a:solidFill>
           <a:schemeClr val="accent2">
-            <a:hueOff val="595867"/>
-            <a:satOff val="3457"/>
-            <a:lumOff val="3432"/>
+            <a:hueOff val="529660"/>
+            <a:satOff val="3072"/>
+            <a:lumOff val="3051"/>
             <a:alphaOff val="0"/>
           </a:schemeClr>
         </a:solidFill>
         <a:ln w="22225" cap="rnd" cmpd="sng" algn="ctr">
           <a:solidFill>
             <a:schemeClr val="accent2">
-              <a:hueOff val="595867"/>
-              <a:satOff val="3457"/>
-              <a:lumOff val="3432"/>
+              <a:hueOff val="529660"/>
+              <a:satOff val="3072"/>
+              <a:lumOff val="3051"/>
               <a:alphaOff val="0"/>
             </a:schemeClr>
           </a:solidFill>
@@ -3459,13 +3611,13 @@
           </a:pPr>
           <a:r>
             <a:rPr lang="en-US" sz="1800" kern="1200" dirty="0"/>
-            <a:t>7:25 – 8:00</a:t>
+            <a:t>7:30 – 8:00</a:t>
           </a:r>
         </a:p>
       </dsp:txBody>
       <dsp:txXfrm>
-        <a:off x="4544576" y="1140253"/>
-        <a:ext cx="1940797" cy="441388"/>
+        <a:off x="4132568" y="1140253"/>
+        <a:ext cx="1763068" cy="441388"/>
       </dsp:txXfrm>
     </dsp:sp>
     <dsp:sp modelId="{1A2CE2C5-1944-9A42-B822-093ED8629716}">
@@ -3475,8 +3627,8 @@
       </dsp:nvSpPr>
       <dsp:spPr>
         <a:xfrm>
-          <a:off x="4544576" y="653864"/>
-          <a:ext cx="1940797" cy="486389"/>
+          <a:off x="4132568" y="445411"/>
+          <a:ext cx="1763068" cy="694842"/>
         </a:xfrm>
         <a:prstGeom prst="rect">
           <a:avLst/>
@@ -3485,9 +3637,9 @@
           <a:schemeClr val="accent2">
             <a:tint val="40000"/>
             <a:alpha val="90000"/>
-            <a:hueOff val="522394"/>
-            <a:satOff val="6723"/>
-            <a:lumOff val="875"/>
+            <a:hueOff val="464351"/>
+            <a:satOff val="5976"/>
+            <a:lumOff val="778"/>
             <a:alphaOff val="0"/>
           </a:schemeClr>
         </a:solidFill>
@@ -3496,9 +3648,9 @@
             <a:schemeClr val="accent2">
               <a:tint val="40000"/>
               <a:alpha val="90000"/>
-              <a:hueOff val="522394"/>
-              <a:satOff val="6723"/>
-              <a:lumOff val="875"/>
+              <a:hueOff val="464351"/>
+              <a:satOff val="5976"/>
+              <a:lumOff val="778"/>
               <a:alphaOff val="0"/>
             </a:schemeClr>
           </a:solidFill>
@@ -3548,8 +3700,8 @@
         </a:p>
       </dsp:txBody>
       <dsp:txXfrm>
-        <a:off x="4544576" y="653864"/>
-        <a:ext cx="1940797" cy="486389"/>
+        <a:off x="4132568" y="445411"/>
+        <a:ext cx="1763068" cy="694842"/>
       </dsp:txXfrm>
     </dsp:sp>
     <dsp:sp modelId="{14919DA7-2AF0-6B49-AE4D-BBFB5951E495}">
@@ -3559,7 +3711,7 @@
       </dsp:nvSpPr>
       <dsp:spPr>
         <a:xfrm>
-          <a:off x="5514974" y="1581642"/>
+          <a:off x="5014103" y="1581642"/>
           <a:ext cx="0" cy="257476"/>
         </a:xfrm>
         <a:prstGeom prst="line">
@@ -3569,9 +3721,9 @@
         <a:ln w="12700" cap="rnd" cmpd="sng" algn="ctr">
           <a:solidFill>
             <a:schemeClr val="accent2">
-              <a:hueOff val="595867"/>
-              <a:satOff val="3457"/>
-              <a:lumOff val="3432"/>
+              <a:hueOff val="529660"/>
+              <a:satOff val="3072"/>
+              <a:lumOff val="3051"/>
               <a:alphaOff val="0"/>
             </a:schemeClr>
           </a:solidFill>
@@ -3599,26 +3751,26 @@
       </dsp:nvSpPr>
       <dsp:spPr>
         <a:xfrm>
-          <a:off x="5647302" y="2096595"/>
-          <a:ext cx="1940797" cy="441388"/>
+          <a:off x="5134312" y="2096595"/>
+          <a:ext cx="1763068" cy="441388"/>
         </a:xfrm>
         <a:prstGeom prst="rect">
           <a:avLst/>
         </a:prstGeom>
         <a:solidFill>
           <a:schemeClr val="accent2">
-            <a:hueOff val="744834"/>
-            <a:satOff val="4321"/>
-            <a:lumOff val="4290"/>
+            <a:hueOff val="662075"/>
+            <a:satOff val="3841"/>
+            <a:lumOff val="3813"/>
             <a:alphaOff val="0"/>
           </a:schemeClr>
         </a:solidFill>
         <a:ln w="22225" cap="rnd" cmpd="sng" algn="ctr">
           <a:solidFill>
             <a:schemeClr val="accent2">
-              <a:hueOff val="744834"/>
-              <a:satOff val="4321"/>
-              <a:lumOff val="4290"/>
+              <a:hueOff val="662075"/>
+              <a:satOff val="3841"/>
+              <a:lumOff val="3813"/>
               <a:alphaOff val="0"/>
             </a:schemeClr>
           </a:solidFill>
@@ -3666,8 +3818,8 @@
         </a:p>
       </dsp:txBody>
       <dsp:txXfrm>
-        <a:off x="5647302" y="2096595"/>
-        <a:ext cx="1940797" cy="441388"/>
+        <a:off x="5134312" y="2096595"/>
+        <a:ext cx="1763068" cy="441388"/>
       </dsp:txXfrm>
     </dsp:sp>
     <dsp:sp modelId="{F76CAAA2-371D-4A4B-9D68-A16A57FCF9A4}">
@@ -3677,8 +3829,8 @@
       </dsp:nvSpPr>
       <dsp:spPr>
         <a:xfrm>
-          <a:off x="5647302" y="2537984"/>
-          <a:ext cx="1940797" cy="694842"/>
+          <a:off x="5134312" y="2537984"/>
+          <a:ext cx="1763068" cy="694842"/>
         </a:xfrm>
         <a:prstGeom prst="rect">
           <a:avLst/>
@@ -3687,9 +3839,9 @@
           <a:schemeClr val="accent2">
             <a:tint val="40000"/>
             <a:alpha val="90000"/>
-            <a:hueOff val="652993"/>
-            <a:satOff val="8404"/>
-            <a:lumOff val="1094"/>
+            <a:hueOff val="580438"/>
+            <a:satOff val="7470"/>
+            <a:lumOff val="973"/>
             <a:alphaOff val="0"/>
           </a:schemeClr>
         </a:solidFill>
@@ -3698,9 +3850,9 @@
             <a:schemeClr val="accent2">
               <a:tint val="40000"/>
               <a:alpha val="90000"/>
-              <a:hueOff val="652993"/>
-              <a:satOff val="8404"/>
-              <a:lumOff val="1094"/>
+              <a:hueOff val="580438"/>
+              <a:satOff val="7470"/>
+              <a:lumOff val="973"/>
               <a:alphaOff val="0"/>
             </a:schemeClr>
           </a:solidFill>
@@ -3745,8 +3897,8 @@
         </a:p>
       </dsp:txBody>
       <dsp:txXfrm>
-        <a:off x="5647302" y="2537984"/>
-        <a:ext cx="1940797" cy="694842"/>
+        <a:off x="5134312" y="2537984"/>
+        <a:ext cx="1763068" cy="694842"/>
       </dsp:txXfrm>
     </dsp:sp>
     <dsp:sp modelId="{0F90F0CE-2587-5E48-B021-13227B9C23AE}">
@@ -3756,7 +3908,7 @@
       </dsp:nvSpPr>
       <dsp:spPr>
         <a:xfrm>
-          <a:off x="6617700" y="1839118"/>
+          <a:off x="6015846" y="1839118"/>
           <a:ext cx="0" cy="257476"/>
         </a:xfrm>
         <a:prstGeom prst="line">
@@ -3766,9 +3918,9 @@
         <a:ln w="12700" cap="rnd" cmpd="sng" algn="ctr">
           <a:solidFill>
             <a:schemeClr val="accent2">
-              <a:hueOff val="744834"/>
-              <a:satOff val="4321"/>
-              <a:lumOff val="4290"/>
+              <a:hueOff val="662075"/>
+              <a:satOff val="3841"/>
+              <a:lumOff val="3813"/>
               <a:alphaOff val="0"/>
             </a:schemeClr>
           </a:solidFill>
@@ -3796,7 +3948,7 @@
       </dsp:nvSpPr>
       <dsp:spPr>
         <a:xfrm rot="2700000">
-          <a:off x="5486365" y="1810509"/>
+          <a:off x="4985493" y="1810509"/>
           <a:ext cx="57219" cy="57219"/>
         </a:xfrm>
         <a:prstGeom prst="rect">
@@ -3845,7 +3997,7 @@
       </dsp:nvSpPr>
       <dsp:spPr>
         <a:xfrm rot="2700000">
-          <a:off x="6589090" y="1810509"/>
+          <a:off x="5987236" y="1810509"/>
           <a:ext cx="57219" cy="57219"/>
         </a:xfrm>
         <a:prstGeom prst="rect">
@@ -3894,26 +4046,26 @@
       </dsp:nvSpPr>
       <dsp:spPr>
         <a:xfrm>
-          <a:off x="6750027" y="1140253"/>
-          <a:ext cx="1940797" cy="441388"/>
+          <a:off x="6136055" y="1140253"/>
+          <a:ext cx="1763068" cy="441388"/>
         </a:xfrm>
         <a:prstGeom prst="rect">
           <a:avLst/>
         </a:prstGeom>
         <a:solidFill>
           <a:schemeClr val="accent2">
-            <a:hueOff val="893801"/>
-            <a:satOff val="5185"/>
-            <a:lumOff val="5148"/>
+            <a:hueOff val="794490"/>
+            <a:satOff val="4609"/>
+            <a:lumOff val="4576"/>
             <a:alphaOff val="0"/>
           </a:schemeClr>
         </a:solidFill>
         <a:ln w="22225" cap="rnd" cmpd="sng" algn="ctr">
           <a:solidFill>
             <a:schemeClr val="accent2">
-              <a:hueOff val="893801"/>
-              <a:satOff val="5185"/>
-              <a:lumOff val="5148"/>
+              <a:hueOff val="794490"/>
+              <a:satOff val="4609"/>
+              <a:lumOff val="4576"/>
               <a:alphaOff val="0"/>
             </a:schemeClr>
           </a:solidFill>
@@ -3961,8 +4113,8 @@
         </a:p>
       </dsp:txBody>
       <dsp:txXfrm>
-        <a:off x="6750027" y="1140253"/>
-        <a:ext cx="1940797" cy="441388"/>
+        <a:off x="6136055" y="1140253"/>
+        <a:ext cx="1763068" cy="441388"/>
       </dsp:txXfrm>
     </dsp:sp>
     <dsp:sp modelId="{904114FA-B506-0E41-9395-5AF8D280FD40}">
@@ -3972,8 +4124,8 @@
       </dsp:nvSpPr>
       <dsp:spPr>
         <a:xfrm>
-          <a:off x="6750027" y="653864"/>
-          <a:ext cx="1940797" cy="486389"/>
+          <a:off x="6136055" y="653864"/>
+          <a:ext cx="1763068" cy="486389"/>
         </a:xfrm>
         <a:prstGeom prst="rect">
           <a:avLst/>
@@ -3982,9 +4134,9 @@
           <a:schemeClr val="accent2">
             <a:tint val="40000"/>
             <a:alpha val="90000"/>
-            <a:hueOff val="783592"/>
-            <a:satOff val="10085"/>
-            <a:lumOff val="1313"/>
+            <a:hueOff val="696526"/>
+            <a:satOff val="8964"/>
+            <a:lumOff val="1167"/>
             <a:alphaOff val="0"/>
           </a:schemeClr>
         </a:solidFill>
@@ -3993,9 +4145,9 @@
             <a:schemeClr val="accent2">
               <a:tint val="40000"/>
               <a:alpha val="90000"/>
-              <a:hueOff val="783592"/>
-              <a:satOff val="10085"/>
-              <a:lumOff val="1313"/>
+              <a:hueOff val="696526"/>
+              <a:satOff val="8964"/>
+              <a:lumOff val="1167"/>
               <a:alphaOff val="0"/>
             </a:schemeClr>
           </a:solidFill>
@@ -4021,7 +4173,7 @@
         </a:bodyPr>
         <a:lstStyle/>
         <a:p>
-          <a:pPr marL="0" lvl="0" indent="0" algn="ctr" defTabSz="666750">
+          <a:pPr marL="0" lvl="0" indent="0" algn="l" defTabSz="666750">
             <a:lnSpc>
               <a:spcPct val="90000"/>
             </a:lnSpc>
@@ -4040,8 +4192,8 @@
         </a:p>
       </dsp:txBody>
       <dsp:txXfrm>
-        <a:off x="6750027" y="653864"/>
-        <a:ext cx="1940797" cy="486389"/>
+        <a:off x="6136055" y="653864"/>
+        <a:ext cx="1763068" cy="486389"/>
       </dsp:txXfrm>
     </dsp:sp>
     <dsp:sp modelId="{C3E20828-B9A2-074B-806A-A57DE5E9F012}">
@@ -4051,7 +4203,7 @@
       </dsp:nvSpPr>
       <dsp:spPr>
         <a:xfrm>
-          <a:off x="7720426" y="1581642"/>
+          <a:off x="7017590" y="1581642"/>
           <a:ext cx="0" cy="257476"/>
         </a:xfrm>
         <a:prstGeom prst="line">
@@ -4061,9 +4213,9 @@
         <a:ln w="12700" cap="rnd" cmpd="sng" algn="ctr">
           <a:solidFill>
             <a:schemeClr val="accent2">
-              <a:hueOff val="893801"/>
-              <a:satOff val="5185"/>
-              <a:lumOff val="5148"/>
+              <a:hueOff val="794490"/>
+              <a:satOff val="4609"/>
+              <a:lumOff val="4576"/>
               <a:alphaOff val="0"/>
             </a:schemeClr>
           </a:solidFill>
@@ -4091,26 +4243,26 @@
       </dsp:nvSpPr>
       <dsp:spPr>
         <a:xfrm>
-          <a:off x="7852753" y="2096595"/>
-          <a:ext cx="1940797" cy="441388"/>
+          <a:off x="7137799" y="2096595"/>
+          <a:ext cx="1763068" cy="441388"/>
         </a:xfrm>
         <a:prstGeom prst="rect">
           <a:avLst/>
         </a:prstGeom>
         <a:solidFill>
           <a:schemeClr val="accent2">
-            <a:hueOff val="1042768"/>
-            <a:satOff val="6049"/>
-            <a:lumOff val="6006"/>
+            <a:hueOff val="926905"/>
+            <a:satOff val="5377"/>
+            <a:lumOff val="5339"/>
             <a:alphaOff val="0"/>
           </a:schemeClr>
         </a:solidFill>
         <a:ln w="22225" cap="rnd" cmpd="sng" algn="ctr">
           <a:solidFill>
             <a:schemeClr val="accent2">
-              <a:hueOff val="1042768"/>
-              <a:satOff val="6049"/>
-              <a:lumOff val="6006"/>
+              <a:hueOff val="926905"/>
+              <a:satOff val="5377"/>
+              <a:lumOff val="5339"/>
               <a:alphaOff val="0"/>
             </a:schemeClr>
           </a:solidFill>
@@ -4153,13 +4305,13 @@
           </a:pPr>
           <a:r>
             <a:rPr lang="en-US" sz="1800" kern="1200" dirty="0"/>
-            <a:t>8:20 – 9:00</a:t>
+            <a:t>8:20 – 8:50</a:t>
           </a:r>
         </a:p>
       </dsp:txBody>
       <dsp:txXfrm>
-        <a:off x="7852753" y="2096595"/>
-        <a:ext cx="1940797" cy="441388"/>
+        <a:off x="7137799" y="2096595"/>
+        <a:ext cx="1763068" cy="441388"/>
       </dsp:txXfrm>
     </dsp:sp>
     <dsp:sp modelId="{6CB7BEEA-DDE4-6C48-A5D5-B8E5A5AB5B9D}">
@@ -4169,8 +4321,8 @@
       </dsp:nvSpPr>
       <dsp:spPr>
         <a:xfrm>
-          <a:off x="7852753" y="2537984"/>
-          <a:ext cx="1940797" cy="486389"/>
+          <a:off x="7137799" y="2537984"/>
+          <a:ext cx="1763068" cy="889397"/>
         </a:xfrm>
         <a:prstGeom prst="rect">
           <a:avLst/>
@@ -4179,9 +4331,9 @@
           <a:schemeClr val="accent2">
             <a:tint val="40000"/>
             <a:alpha val="90000"/>
-            <a:hueOff val="914190"/>
-            <a:satOff val="11765"/>
-            <a:lumOff val="1532"/>
+            <a:hueOff val="812614"/>
+            <a:satOff val="10458"/>
+            <a:lumOff val="1362"/>
             <a:alphaOff val="0"/>
           </a:schemeClr>
         </a:solidFill>
@@ -4190,9 +4342,9 @@
             <a:schemeClr val="accent2">
               <a:tint val="40000"/>
               <a:alpha val="90000"/>
-              <a:hueOff val="914190"/>
-              <a:satOff val="11765"/>
-              <a:lumOff val="1532"/>
+              <a:hueOff val="812614"/>
+              <a:satOff val="10458"/>
+              <a:lumOff val="1362"/>
               <a:alphaOff val="0"/>
             </a:schemeClr>
           </a:solidFill>
@@ -4232,13 +4384,13 @@
           </a:pPr>
           <a:r>
             <a:rPr lang="en-US" sz="1500" kern="1200" dirty="0"/>
-            <a:t>Classification, TF-IDF</a:t>
+            <a:t>Perplexity and Likelihood, N-Grams</a:t>
           </a:r>
         </a:p>
       </dsp:txBody>
       <dsp:txXfrm>
-        <a:off x="7852753" y="2537984"/>
-        <a:ext cx="1940797" cy="486389"/>
+        <a:off x="7137799" y="2537984"/>
+        <a:ext cx="1763068" cy="889397"/>
       </dsp:txXfrm>
     </dsp:sp>
     <dsp:sp modelId="{945C20F7-19F5-E14B-BE71-4C38B77EEC76}">
@@ -4248,7 +4400,7 @@
       </dsp:nvSpPr>
       <dsp:spPr>
         <a:xfrm>
-          <a:off x="8823152" y="1839118"/>
+          <a:off x="8019333" y="1839118"/>
           <a:ext cx="0" cy="257476"/>
         </a:xfrm>
         <a:prstGeom prst="line">
@@ -4258,9 +4410,9 @@
         <a:ln w="12700" cap="rnd" cmpd="sng" algn="ctr">
           <a:solidFill>
             <a:schemeClr val="accent2">
-              <a:hueOff val="1042768"/>
-              <a:satOff val="6049"/>
-              <a:lumOff val="6006"/>
+              <a:hueOff val="926905"/>
+              <a:satOff val="5377"/>
+              <a:lumOff val="5339"/>
               <a:alphaOff val="0"/>
             </a:schemeClr>
           </a:solidFill>
@@ -4288,7 +4440,7 @@
       </dsp:nvSpPr>
       <dsp:spPr>
         <a:xfrm rot="2700000">
-          <a:off x="7691816" y="1810509"/>
+          <a:off x="6988980" y="1810509"/>
           <a:ext cx="57219" cy="57219"/>
         </a:xfrm>
         <a:prstGeom prst="rect">
@@ -4337,7 +4489,7 @@
       </dsp:nvSpPr>
       <dsp:spPr>
         <a:xfrm rot="2700000">
-          <a:off x="8794542" y="1810509"/>
+          <a:off x="7990723" y="1810509"/>
           <a:ext cx="57219" cy="57219"/>
         </a:xfrm>
         <a:prstGeom prst="rect">
@@ -4379,6 +4531,203 @@
         </a:fontRef>
       </dsp:style>
     </dsp:sp>
+    <dsp:sp modelId="{29A15B64-89C3-C842-8C3D-EF7E7DD09F02}">
+      <dsp:nvSpPr>
+        <dsp:cNvPr id="0" name=""/>
+        <dsp:cNvSpPr/>
+      </dsp:nvSpPr>
+      <dsp:spPr>
+        <a:xfrm>
+          <a:off x="8139542" y="1140253"/>
+          <a:ext cx="1763068" cy="441388"/>
+        </a:xfrm>
+        <a:prstGeom prst="rect">
+          <a:avLst/>
+        </a:prstGeom>
+        <a:solidFill>
+          <a:schemeClr val="accent2">
+            <a:hueOff val="1059320"/>
+            <a:satOff val="6145"/>
+            <a:lumOff val="6101"/>
+            <a:alphaOff val="0"/>
+          </a:schemeClr>
+        </a:solidFill>
+        <a:ln w="22225" cap="rnd" cmpd="sng" algn="ctr">
+          <a:solidFill>
+            <a:schemeClr val="accent2">
+              <a:hueOff val="1059320"/>
+              <a:satOff val="6145"/>
+              <a:lumOff val="6101"/>
+              <a:alphaOff val="0"/>
+            </a:schemeClr>
+          </a:solidFill>
+          <a:prstDash val="solid"/>
+        </a:ln>
+        <a:effectLst/>
+      </dsp:spPr>
+      <dsp:style>
+        <a:lnRef idx="2">
+          <a:scrgbClr r="0" g="0" b="0"/>
+        </a:lnRef>
+        <a:fillRef idx="1">
+          <a:scrgbClr r="0" g="0" b="0"/>
+        </a:fillRef>
+        <a:effectRef idx="0">
+          <a:scrgbClr r="0" g="0" b="0"/>
+        </a:effectRef>
+        <a:fontRef idx="minor">
+          <a:schemeClr val="lt1"/>
+        </a:fontRef>
+      </dsp:style>
+      <dsp:txBody>
+        <a:bodyPr spcFirstLastPara="0" vert="horz" wrap="square" lIns="91440" tIns="91440" rIns="91440" bIns="91440" numCol="1" spcCol="1270" anchor="ctr" anchorCtr="0">
+          <a:noAutofit/>
+        </a:bodyPr>
+        <a:lstStyle/>
+        <a:p>
+          <a:pPr marL="0" lvl="0" indent="0" algn="ctr" defTabSz="800100">
+            <a:lnSpc>
+              <a:spcPct val="90000"/>
+            </a:lnSpc>
+            <a:spcBef>
+              <a:spcPct val="0"/>
+            </a:spcBef>
+            <a:spcAft>
+              <a:spcPct val="35000"/>
+            </a:spcAft>
+            <a:buNone/>
+            <a:defRPr b="1"/>
+          </a:pPr>
+          <a:r>
+            <a:rPr lang="en-US" sz="1800" kern="1200" dirty="0"/>
+            <a:t>8:50-9:10</a:t>
+          </a:r>
+        </a:p>
+      </dsp:txBody>
+      <dsp:txXfrm>
+        <a:off x="8139542" y="1140253"/>
+        <a:ext cx="1763068" cy="441388"/>
+      </dsp:txXfrm>
+    </dsp:sp>
+    <dsp:sp modelId="{AA80307C-8571-774E-B9C0-21772E90C39A}">
+      <dsp:nvSpPr>
+        <dsp:cNvPr id="0" name=""/>
+        <dsp:cNvSpPr/>
+      </dsp:nvSpPr>
+      <dsp:spPr>
+        <a:xfrm>
+          <a:off x="8139542" y="653864"/>
+          <a:ext cx="1763068" cy="486389"/>
+        </a:xfrm>
+        <a:prstGeom prst="rect">
+          <a:avLst/>
+        </a:prstGeom>
+        <a:solidFill>
+          <a:schemeClr val="accent2">
+            <a:tint val="40000"/>
+            <a:alpha val="90000"/>
+            <a:hueOff val="928701"/>
+            <a:satOff val="11952"/>
+            <a:lumOff val="1556"/>
+            <a:alphaOff val="0"/>
+          </a:schemeClr>
+        </a:solidFill>
+        <a:ln w="22225" cap="rnd" cmpd="sng" algn="ctr">
+          <a:solidFill>
+            <a:schemeClr val="accent2">
+              <a:tint val="40000"/>
+              <a:alpha val="90000"/>
+              <a:hueOff val="928701"/>
+              <a:satOff val="11952"/>
+              <a:lumOff val="1556"/>
+              <a:alphaOff val="0"/>
+            </a:schemeClr>
+          </a:solidFill>
+          <a:prstDash val="solid"/>
+        </a:ln>
+        <a:effectLst/>
+      </dsp:spPr>
+      <dsp:style>
+        <a:lnRef idx="2">
+          <a:scrgbClr r="0" g="0" b="0"/>
+        </a:lnRef>
+        <a:fillRef idx="1">
+          <a:scrgbClr r="0" g="0" b="0"/>
+        </a:fillRef>
+        <a:effectRef idx="0">
+          <a:scrgbClr r="0" g="0" b="0"/>
+        </a:effectRef>
+        <a:fontRef idx="minor"/>
+      </dsp:style>
+      <dsp:txBody>
+        <a:bodyPr spcFirstLastPara="0" vert="horz" wrap="square" lIns="142875" tIns="142875" rIns="142875" bIns="142875" numCol="1" spcCol="1270" anchor="ctr" anchorCtr="0">
+          <a:noAutofit/>
+        </a:bodyPr>
+        <a:lstStyle/>
+        <a:p>
+          <a:pPr marL="0" lvl="0" indent="0" algn="l" defTabSz="666750">
+            <a:lnSpc>
+              <a:spcPct val="90000"/>
+            </a:lnSpc>
+            <a:spcBef>
+              <a:spcPct val="0"/>
+            </a:spcBef>
+            <a:spcAft>
+              <a:spcPct val="35000"/>
+            </a:spcAft>
+            <a:buNone/>
+          </a:pPr>
+          <a:r>
+            <a:rPr lang="en-US" sz="1500" kern="1200" dirty="0"/>
+            <a:t>TF-IDF</a:t>
+          </a:r>
+        </a:p>
+      </dsp:txBody>
+      <dsp:txXfrm>
+        <a:off x="8139542" y="653864"/>
+        <a:ext cx="1763068" cy="486389"/>
+      </dsp:txXfrm>
+    </dsp:sp>
+    <dsp:sp modelId="{E72E0925-6EFD-0541-995E-D2D869A1782A}">
+      <dsp:nvSpPr>
+        <dsp:cNvPr id="0" name=""/>
+        <dsp:cNvSpPr/>
+      </dsp:nvSpPr>
+      <dsp:spPr>
+        <a:xfrm>
+          <a:off x="9021077" y="1581642"/>
+          <a:ext cx="0" cy="257476"/>
+        </a:xfrm>
+        <a:prstGeom prst="line">
+          <a:avLst/>
+        </a:prstGeom>
+        <a:noFill/>
+        <a:ln w="12700" cap="rnd" cmpd="sng" algn="ctr">
+          <a:solidFill>
+            <a:schemeClr val="accent2">
+              <a:hueOff val="1059320"/>
+              <a:satOff val="6145"/>
+              <a:lumOff val="6101"/>
+              <a:alphaOff val="0"/>
+            </a:schemeClr>
+          </a:solidFill>
+          <a:prstDash val="solid"/>
+        </a:ln>
+        <a:effectLst/>
+      </dsp:spPr>
+      <dsp:style>
+        <a:lnRef idx="1">
+          <a:scrgbClr r="0" g="0" b="0"/>
+        </a:lnRef>
+        <a:fillRef idx="0">
+          <a:scrgbClr r="0" g="0" b="0"/>
+        </a:fillRef>
+        <a:effectRef idx="0">
+          <a:scrgbClr r="0" g="0" b="0"/>
+        </a:effectRef>
+        <a:fontRef idx="minor"/>
+      </dsp:style>
+    </dsp:sp>
     <dsp:sp modelId="{C07DB92B-83AE-624B-A887-C5D81521E187}">
       <dsp:nvSpPr>
         <dsp:cNvPr id="0" name=""/>
@@ -4386,8 +4735,8 @@
       </dsp:nvSpPr>
       <dsp:spPr>
         <a:xfrm>
-          <a:off x="8955479" y="1140253"/>
-          <a:ext cx="1940797" cy="441388"/>
+          <a:off x="9141286" y="2096595"/>
+          <a:ext cx="1763068" cy="441388"/>
         </a:xfrm>
         <a:prstGeom prst="rect">
           <a:avLst/>
@@ -4448,13 +4797,13 @@
           </a:pPr>
           <a:r>
             <a:rPr lang="en-US" sz="1800" kern="1200" dirty="0"/>
-            <a:t>9:00 – 9:20</a:t>
+            <a:t>9:10 – 9:20</a:t>
           </a:r>
         </a:p>
       </dsp:txBody>
       <dsp:txXfrm>
-        <a:off x="8955479" y="1140253"/>
-        <a:ext cx="1940797" cy="441388"/>
+        <a:off x="9141286" y="2096595"/>
+        <a:ext cx="1763068" cy="441388"/>
       </dsp:txXfrm>
     </dsp:sp>
     <dsp:sp modelId="{A56DC095-BA8E-CE4F-9630-EC646367BC35}">
@@ -4464,8 +4813,8 @@
       </dsp:nvSpPr>
       <dsp:spPr>
         <a:xfrm>
-          <a:off x="8955479" y="445411"/>
-          <a:ext cx="1940797" cy="694842"/>
+          <a:off x="9141286" y="2537984"/>
+          <a:ext cx="1763068" cy="486389"/>
         </a:xfrm>
         <a:prstGeom prst="rect">
           <a:avLst/>
@@ -4527,13 +4876,13 @@
           </a:pPr>
           <a:r>
             <a:rPr lang="en-US" sz="1500" kern="1200" dirty="0"/>
-            <a:t>HW and Project Kickoff</a:t>
+            <a:t>HW</a:t>
           </a:r>
         </a:p>
       </dsp:txBody>
       <dsp:txXfrm>
-        <a:off x="8955479" y="445411"/>
-        <a:ext cx="1940797" cy="694842"/>
+        <a:off x="9141286" y="2537984"/>
+        <a:ext cx="1763068" cy="486389"/>
       </dsp:txXfrm>
     </dsp:sp>
     <dsp:sp modelId="{43B2DA92-57FF-2141-982C-D6C5775B0BE6}">
@@ -4543,7 +4892,7 @@
       </dsp:nvSpPr>
       <dsp:spPr>
         <a:xfrm>
-          <a:off x="9925877" y="1581642"/>
+          <a:off x="10022820" y="1839118"/>
           <a:ext cx="0" cy="257476"/>
         </a:xfrm>
         <a:prstGeom prst="line">
@@ -4576,6 +4925,55 @@
         <a:fontRef idx="minor"/>
       </dsp:style>
     </dsp:sp>
+    <dsp:sp modelId="{2545BEF3-290D-204A-8888-44972FE01920}">
+      <dsp:nvSpPr>
+        <dsp:cNvPr id="0" name=""/>
+        <dsp:cNvSpPr/>
+      </dsp:nvSpPr>
+      <dsp:spPr>
+        <a:xfrm rot="2700000">
+          <a:off x="8992467" y="1810509"/>
+          <a:ext cx="57219" cy="57219"/>
+        </a:xfrm>
+        <a:prstGeom prst="rect">
+          <a:avLst/>
+        </a:prstGeom>
+        <a:solidFill>
+          <a:schemeClr val="accent2">
+            <a:hueOff val="1059320"/>
+            <a:satOff val="6145"/>
+            <a:lumOff val="6101"/>
+            <a:alphaOff val="0"/>
+          </a:schemeClr>
+        </a:solidFill>
+        <a:ln w="6350" cap="rnd" cmpd="sng" algn="ctr">
+          <a:solidFill>
+            <a:schemeClr val="lt1">
+              <a:hueOff val="0"/>
+              <a:satOff val="0"/>
+              <a:lumOff val="0"/>
+              <a:alphaOff val="0"/>
+            </a:schemeClr>
+          </a:solidFill>
+          <a:prstDash val="solid"/>
+        </a:ln>
+        <a:effectLst/>
+      </dsp:spPr>
+      <dsp:style>
+        <a:lnRef idx="2">
+          <a:scrgbClr r="0" g="0" b="0"/>
+        </a:lnRef>
+        <a:fillRef idx="1">
+          <a:scrgbClr r="0" g="0" b="0"/>
+        </a:fillRef>
+        <a:effectRef idx="0">
+          <a:scrgbClr r="0" g="0" b="0"/>
+        </a:effectRef>
+        <a:fontRef idx="minor">
+          <a:schemeClr val="lt1"/>
+        </a:fontRef>
+      </dsp:style>
+    </dsp:sp>
     <dsp:sp modelId="{18A8E77F-01A8-9C49-A9F6-0E5A7B34CC8E}">
       <dsp:nvSpPr>
         <dsp:cNvPr id="0" name=""/>
@@ -4583,7 +4981,7 @@
       </dsp:nvSpPr>
       <dsp:spPr>
         <a:xfrm rot="2700000">
-          <a:off x="9897267" y="1810509"/>
+          <a:off x="9994210" y="1810509"/>
           <a:ext cx="57219" cy="57219"/>
         </a:xfrm>
         <a:prstGeom prst="rect">
@@ -6276,7 +6674,7 @@
             <a:fld id="{B61BEF0D-F0BB-DE4B-95CE-6DB70DBA9567}" type="datetimeFigureOut">
               <a:rPr lang="en-US" dirty="0"/>
               <a:pPr/>
-              <a:t>3/23/19</a:t>
+              <a:t>3/26/19</a:t>
             </a:fld>
             <a:endParaRPr lang="en-US" dirty="0"/>
           </a:p>
@@ -6535,7 +6933,7 @@
             <a:fld id="{B61BEF0D-F0BB-DE4B-95CE-6DB70DBA9567}" type="datetimeFigureOut">
               <a:rPr lang="en-US" dirty="0"/>
               <a:pPr/>
-              <a:t>3/23/19</a:t>
+              <a:t>3/26/19</a:t>
             </a:fld>
             <a:endParaRPr lang="en-US" dirty="0"/>
           </a:p>
@@ -6767,7 +7165,7 @@
             <a:fld id="{B61BEF0D-F0BB-DE4B-95CE-6DB70DBA9567}" type="datetimeFigureOut">
               <a:rPr lang="en-US" dirty="0"/>
               <a:pPr/>
-              <a:t>3/23/19</a:t>
+              <a:t>3/26/19</a:t>
             </a:fld>
             <a:endParaRPr lang="en-US" dirty="0"/>
           </a:p>
@@ -7004,7 +7402,7 @@
             <a:fld id="{B61BEF0D-F0BB-DE4B-95CE-6DB70DBA9567}" type="datetimeFigureOut">
               <a:rPr lang="en-US" dirty="0"/>
               <a:pPr/>
-              <a:t>3/23/19</a:t>
+              <a:t>3/26/19</a:t>
             </a:fld>
             <a:endParaRPr lang="en-US" dirty="0"/>
           </a:p>
@@ -7308,7 +7706,7 @@
             <a:fld id="{B61BEF0D-F0BB-DE4B-95CE-6DB70DBA9567}" type="datetimeFigureOut">
               <a:rPr lang="en-US" dirty="0"/>
               <a:pPr/>
-              <a:t>3/23/19</a:t>
+              <a:t>3/26/19</a:t>
             </a:fld>
             <a:endParaRPr lang="en-US" dirty="0"/>
           </a:p>
@@ -7607,7 +8005,7 @@
             <a:fld id="{B61BEF0D-F0BB-DE4B-95CE-6DB70DBA9567}" type="datetimeFigureOut">
               <a:rPr lang="en-US" dirty="0"/>
               <a:pPr/>
-              <a:t>3/23/19</a:t>
+              <a:t>3/26/19</a:t>
             </a:fld>
             <a:endParaRPr lang="en-US" dirty="0"/>
           </a:p>
@@ -8026,7 +8424,7 @@
             <a:fld id="{B61BEF0D-F0BB-DE4B-95CE-6DB70DBA9567}" type="datetimeFigureOut">
               <a:rPr lang="en-US" dirty="0"/>
               <a:pPr/>
-              <a:t>3/23/19</a:t>
+              <a:t>3/26/19</a:t>
             </a:fld>
             <a:endParaRPr lang="en-US" dirty="0"/>
           </a:p>
@@ -8185,7 +8583,7 @@
             <a:fld id="{B61BEF0D-F0BB-DE4B-95CE-6DB70DBA9567}" type="datetimeFigureOut">
               <a:rPr lang="en-US" dirty="0"/>
               <a:pPr/>
-              <a:t>3/23/19</a:t>
+              <a:t>3/26/19</a:t>
             </a:fld>
             <a:endParaRPr lang="en-US" dirty="0"/>
           </a:p>
@@ -8277,7 +8675,7 @@
             <a:fld id="{B61BEF0D-F0BB-DE4B-95CE-6DB70DBA9567}" type="datetimeFigureOut">
               <a:rPr lang="en-US" dirty="0"/>
               <a:pPr/>
-              <a:t>3/23/19</a:t>
+              <a:t>3/26/19</a:t>
             </a:fld>
             <a:endParaRPr lang="en-US" dirty="0"/>
           </a:p>
@@ -8652,7 +9050,7 @@
             <a:fld id="{B61BEF0D-F0BB-DE4B-95CE-6DB70DBA9567}" type="datetimeFigureOut">
               <a:rPr lang="en-US" dirty="0"/>
               <a:pPr/>
-              <a:t>3/23/19</a:t>
+              <a:t>3/26/19</a:t>
             </a:fld>
             <a:endParaRPr lang="en-US" dirty="0"/>
           </a:p>
@@ -8938,7 +9336,7 @@
             <a:fld id="{B61BEF0D-F0BB-DE4B-95CE-6DB70DBA9567}" type="datetimeFigureOut">
               <a:rPr lang="en-US" dirty="0"/>
               <a:pPr/>
-              <a:t>3/23/19</a:t>
+              <a:t>3/26/19</a:t>
             </a:fld>
             <a:endParaRPr lang="en-US" dirty="0"/>
           </a:p>
@@ -9146,7 +9544,7 @@
             <a:fld id="{B61BEF0D-F0BB-DE4B-95CE-6DB70DBA9567}" type="datetimeFigureOut">
               <a:rPr lang="en-US" dirty="0"/>
               <a:pPr/>
-              <a:t>3/23/19</a:t>
+              <a:t>3/26/19</a:t>
             </a:fld>
             <a:endParaRPr lang="en-US" dirty="0"/>
           </a:p>
@@ -9811,7 +10209,7 @@
         <p:spPr>
           <a:xfrm>
             <a:off x="1148080" y="3174474"/>
-            <a:ext cx="9940684" cy="2246769"/>
+            <a:ext cx="9940684" cy="2554545"/>
           </a:xfrm>
           <a:prstGeom prst="rect">
             <a:avLst/>
@@ -9875,6 +10273,20 @@
                 </a:solidFill>
               </a:rPr>
               <a:t> (pip install spacy)</a:t>
+            </a:r>
+          </a:p>
+          <a:p>
+            <a:pPr marL="342900" indent="-342900">
+              <a:buFont typeface="Arial" panose="020B0604020202020204" pitchFamily="34" charset="0"/>
+              <a:buChar char="•"/>
+            </a:pPr>
+            <a:r>
+              <a:rPr lang="en-US" sz="2000" dirty="0">
+                <a:solidFill>
+                  <a:schemeClr val="bg1"/>
+                </a:solidFill>
+              </a:rPr>
+              <a:t>Optional: Install Tableau Desktop (use your student email)</a:t>
             </a:r>
           </a:p>
           <a:p>
@@ -10062,7 +10474,7 @@
             <p:ph idx="1"/>
             <p:extLst>
               <p:ext uri="{D42A27DB-BD31-4B8C-83A1-F6EECF244321}">
-                <p14:modId xmlns:p14="http://schemas.microsoft.com/office/powerpoint/2010/main" val="584766979"/>
+                <p14:modId xmlns:p14="http://schemas.microsoft.com/office/powerpoint/2010/main" val="1750545467"/>
               </p:ext>
             </p:extLst>
           </p:nvPr>
@@ -10166,6 +10578,21 @@
           <a:p>
             <a:r>
               <a:rPr lang="en-US" dirty="0"/>
+              <a:t>Check/post </a:t>
+            </a:r>
+            <a:r>
+              <a:rPr lang="en-US" b="1" dirty="0"/>
+              <a:t>#questions </a:t>
+            </a:r>
+            <a:r>
+              <a:rPr lang="en-US" dirty="0"/>
+              <a:t>for class questions.</a:t>
+            </a:r>
+            <a:endParaRPr lang="en-US" b="1" dirty="0"/>
+          </a:p>
+          <a:p>
+            <a:r>
+              <a:rPr lang="en-US" dirty="0"/>
               <a:t>HW2 will be graded by</a:t>
             </a:r>
             <a:r>
@@ -10194,7 +10621,7 @@
             </a:r>
             <a:r>
               <a:rPr lang="en-US" b="1" dirty="0"/>
-              <a:t>submitted via Slack / email </a:t>
+              <a:t>submitted via Slack </a:t>
             </a:r>
             <a:r>
               <a:rPr lang="en-US" dirty="0"/>
@@ -10204,7 +10631,15 @@
           <a:p>
             <a:r>
               <a:rPr lang="en-US" dirty="0"/>
-              <a:t>Midterm exam will be 80 minutes on </a:t>
+              <a:t>Midterm exam will be </a:t>
+            </a:r>
+            <a:r>
+              <a:rPr lang="en-US" b="1" dirty="0"/>
+              <a:t>80 minutes </a:t>
+            </a:r>
+            <a:r>
+              <a:rPr lang="en-US" dirty="0"/>
+              <a:t>on </a:t>
             </a:r>
             <a:r>
               <a:rPr lang="en-US" b="1" dirty="0"/>
@@ -10214,10 +10649,7 @@
               <a:rPr lang="en-US" b="1" baseline="30000" dirty="0"/>
               <a:t>th</a:t>
             </a:r>
-            <a:r>
-              <a:rPr lang="en-US" dirty="0"/>
-              <a:t>. </a:t>
-            </a:r>
+            <a:endParaRPr lang="en-US" dirty="0"/>
           </a:p>
         </p:txBody>
       </p:sp>

--- a/week3/slides.pptx
+++ b/week3/slides.pptx
@@ -6,10 +6,20 @@
   </p:sldMasterIdLst>
   <p:sldIdLst>
     <p:sldId id="256" r:id="rId2"/>
-    <p:sldId id="268" r:id="rId3"/>
-    <p:sldId id="271" r:id="rId4"/>
-    <p:sldId id="270" r:id="rId5"/>
-    <p:sldId id="272" r:id="rId6"/>
+    <p:sldId id="273" r:id="rId3"/>
+    <p:sldId id="283" r:id="rId4"/>
+    <p:sldId id="275" r:id="rId5"/>
+    <p:sldId id="280" r:id="rId6"/>
+    <p:sldId id="281" r:id="rId7"/>
+    <p:sldId id="282" r:id="rId8"/>
+    <p:sldId id="276" r:id="rId9"/>
+    <p:sldId id="277" r:id="rId10"/>
+    <p:sldId id="278" r:id="rId11"/>
+    <p:sldId id="279" r:id="rId12"/>
+    <p:sldId id="268" r:id="rId13"/>
+    <p:sldId id="271" r:id="rId14"/>
+    <p:sldId id="270" r:id="rId15"/>
+    <p:sldId id="272" r:id="rId16"/>
   </p:sldIdLst>
   <p:sldSz cx="12192000" cy="6858000"/>
   <p:notesSz cx="6858000" cy="9144000"/>
@@ -10378,7 +10388,245 @@
 </p:sld>
 </file>
 
-<file path=ppt/slides/slide2.xml><?xml version="1.0" encoding="utf-8"?>
+<file path=ppt/slides/slide10.xml><?xml version="1.0" encoding="utf-8"?>
+<p:sld xmlns:a="http://schemas.openxmlformats.org/drawingml/2006/main" xmlns:r="http://schemas.openxmlformats.org/officeDocument/2006/relationships" xmlns:p="http://schemas.openxmlformats.org/presentationml/2006/main">
+  <p:cSld>
+    <p:spTree>
+      <p:nvGrpSpPr>
+        <p:cNvPr id="1" name=""/>
+        <p:cNvGrpSpPr/>
+        <p:nvPr/>
+      </p:nvGrpSpPr>
+      <p:grpSpPr>
+        <a:xfrm>
+          <a:off x="0" y="0"/>
+          <a:ext cx="0" cy="0"/>
+          <a:chOff x="0" y="0"/>
+          <a:chExt cx="0" cy="0"/>
+        </a:xfrm>
+      </p:grpSpPr>
+      <p:sp>
+        <p:nvSpPr>
+          <p:cNvPr id="2" name="Title 1">
+            <a:extLst>
+              <a:ext uri="{FF2B5EF4-FFF2-40B4-BE49-F238E27FC236}">
+                <a16:creationId xmlns:a16="http://schemas.microsoft.com/office/drawing/2014/main" id="{69554948-13B4-C84D-A3EB-2D0B0CEDC641}"/>
+              </a:ext>
+            </a:extLst>
+          </p:cNvPr>
+          <p:cNvSpPr>
+            <a:spLocks noGrp="1"/>
+          </p:cNvSpPr>
+          <p:nvPr>
+            <p:ph type="title"/>
+          </p:nvPr>
+        </p:nvSpPr>
+        <p:spPr/>
+        <p:txBody>
+          <a:bodyPr/>
+          <a:lstStyle/>
+          <a:p>
+            <a:r>
+              <a:rPr lang="en-US" dirty="0"/>
+              <a:t>USE FOR LOOPS</a:t>
+            </a:r>
+          </a:p>
+        </p:txBody>
+      </p:sp>
+      <p:pic>
+        <p:nvPicPr>
+          <p:cNvPr id="5" name="Content Placeholder 4">
+            <a:extLst>
+              <a:ext uri="{FF2B5EF4-FFF2-40B4-BE49-F238E27FC236}">
+                <a16:creationId xmlns:a16="http://schemas.microsoft.com/office/drawing/2014/main" id="{637FB178-1198-9E4C-99D2-6D795B3738CA}"/>
+              </a:ext>
+            </a:extLst>
+          </p:cNvPr>
+          <p:cNvPicPr>
+            <a:picLocks noGrp="1" noChangeAspect="1"/>
+          </p:cNvPicPr>
+          <p:nvPr>
+            <p:ph idx="1"/>
+          </p:nvPr>
+        </p:nvPicPr>
+        <p:blipFill>
+          <a:blip r:embed="rId2"/>
+          <a:stretch>
+            <a:fillRect/>
+          </a:stretch>
+        </p:blipFill>
+        <p:spPr>
+          <a:xfrm>
+            <a:off x="881418" y="2860488"/>
+            <a:ext cx="4855166" cy="2466580"/>
+          </a:xfrm>
+        </p:spPr>
+      </p:pic>
+      <p:pic>
+        <p:nvPicPr>
+          <p:cNvPr id="7" name="Picture 6">
+            <a:extLst>
+              <a:ext uri="{FF2B5EF4-FFF2-40B4-BE49-F238E27FC236}">
+                <a16:creationId xmlns:a16="http://schemas.microsoft.com/office/drawing/2014/main" id="{20DC14C9-45FB-BE4D-9E35-1A04D0B9F51F}"/>
+              </a:ext>
+            </a:extLst>
+          </p:cNvPr>
+          <p:cNvPicPr>
+            <a:picLocks noChangeAspect="1"/>
+          </p:cNvPicPr>
+          <p:nvPr/>
+        </p:nvPicPr>
+        <p:blipFill>
+          <a:blip r:embed="rId3"/>
+          <a:stretch>
+            <a:fillRect/>
+          </a:stretch>
+        </p:blipFill>
+        <p:spPr>
+          <a:xfrm>
+            <a:off x="6632812" y="3704742"/>
+            <a:ext cx="4855166" cy="778071"/>
+          </a:xfrm>
+          <a:prstGeom prst="rect">
+            <a:avLst/>
+          </a:prstGeom>
+        </p:spPr>
+      </p:pic>
+    </p:spTree>
+    <p:extLst>
+      <p:ext uri="{BB962C8B-B14F-4D97-AF65-F5344CB8AC3E}">
+        <p14:creationId xmlns:p14="http://schemas.microsoft.com/office/powerpoint/2010/main" val="1481398734"/>
+      </p:ext>
+    </p:extLst>
+  </p:cSld>
+  <p:clrMapOvr>
+    <a:masterClrMapping/>
+  </p:clrMapOvr>
+</p:sld>
+</file>
+
+<file path=ppt/slides/slide11.xml><?xml version="1.0" encoding="utf-8"?>
+<p:sld xmlns:a="http://schemas.openxmlformats.org/drawingml/2006/main" xmlns:r="http://schemas.openxmlformats.org/officeDocument/2006/relationships" xmlns:p="http://schemas.openxmlformats.org/presentationml/2006/main">
+  <p:cSld>
+    <p:spTree>
+      <p:nvGrpSpPr>
+        <p:cNvPr id="1" name=""/>
+        <p:cNvGrpSpPr/>
+        <p:nvPr/>
+      </p:nvGrpSpPr>
+      <p:grpSpPr>
+        <a:xfrm>
+          <a:off x="0" y="0"/>
+          <a:ext cx="0" cy="0"/>
+          <a:chOff x="0" y="0"/>
+          <a:chExt cx="0" cy="0"/>
+        </a:xfrm>
+      </p:grpSpPr>
+      <p:sp>
+        <p:nvSpPr>
+          <p:cNvPr id="2" name="Title 1">
+            <a:extLst>
+              <a:ext uri="{FF2B5EF4-FFF2-40B4-BE49-F238E27FC236}">
+                <a16:creationId xmlns:a16="http://schemas.microsoft.com/office/drawing/2014/main" id="{C2574FBE-C7C4-5E45-832B-7AE9E41E1262}"/>
+              </a:ext>
+            </a:extLst>
+          </p:cNvPr>
+          <p:cNvSpPr>
+            <a:spLocks noGrp="1"/>
+          </p:cNvSpPr>
+          <p:nvPr>
+            <p:ph type="title"/>
+          </p:nvPr>
+        </p:nvSpPr>
+        <p:spPr/>
+        <p:txBody>
+          <a:bodyPr/>
+          <a:lstStyle/>
+          <a:p>
+            <a:r>
+              <a:rPr lang="en-US" dirty="0" err="1"/>
+              <a:t>DON’t</a:t>
+            </a:r>
+            <a:r>
+              <a:rPr lang="en-US" dirty="0"/>
+              <a:t> HARDCODE IN NUMBERS</a:t>
+            </a:r>
+          </a:p>
+        </p:txBody>
+      </p:sp>
+      <p:pic>
+        <p:nvPicPr>
+          <p:cNvPr id="5" name="Content Placeholder 4">
+            <a:extLst>
+              <a:ext uri="{FF2B5EF4-FFF2-40B4-BE49-F238E27FC236}">
+                <a16:creationId xmlns:a16="http://schemas.microsoft.com/office/drawing/2014/main" id="{C846845A-17BB-E046-B0C6-F2595052C4F9}"/>
+              </a:ext>
+            </a:extLst>
+          </p:cNvPr>
+          <p:cNvPicPr>
+            <a:picLocks noGrp="1" noChangeAspect="1"/>
+          </p:cNvPicPr>
+          <p:nvPr>
+            <p:ph idx="1"/>
+          </p:nvPr>
+        </p:nvPicPr>
+        <p:blipFill>
+          <a:blip r:embed="rId2"/>
+          <a:stretch>
+            <a:fillRect/>
+          </a:stretch>
+        </p:blipFill>
+        <p:spPr>
+          <a:xfrm>
+            <a:off x="3595628" y="1904555"/>
+            <a:ext cx="5000743" cy="1650825"/>
+          </a:xfrm>
+        </p:spPr>
+      </p:pic>
+      <p:pic>
+        <p:nvPicPr>
+          <p:cNvPr id="7" name="Picture 6">
+            <a:extLst>
+              <a:ext uri="{FF2B5EF4-FFF2-40B4-BE49-F238E27FC236}">
+                <a16:creationId xmlns:a16="http://schemas.microsoft.com/office/drawing/2014/main" id="{2E917F7E-ECED-5844-BBF2-97AC015606E2}"/>
+              </a:ext>
+            </a:extLst>
+          </p:cNvPr>
+          <p:cNvPicPr>
+            <a:picLocks noChangeAspect="1"/>
+          </p:cNvPicPr>
+          <p:nvPr/>
+        </p:nvPicPr>
+        <p:blipFill>
+          <a:blip r:embed="rId3"/>
+          <a:stretch>
+            <a:fillRect/>
+          </a:stretch>
+        </p:blipFill>
+        <p:spPr>
+          <a:xfrm>
+            <a:off x="2577293" y="4222154"/>
+            <a:ext cx="6600683" cy="1839781"/>
+          </a:xfrm>
+          <a:prstGeom prst="rect">
+            <a:avLst/>
+          </a:prstGeom>
+        </p:spPr>
+      </p:pic>
+    </p:spTree>
+    <p:extLst>
+      <p:ext uri="{BB962C8B-B14F-4D97-AF65-F5344CB8AC3E}">
+        <p14:creationId xmlns:p14="http://schemas.microsoft.com/office/powerpoint/2010/main" val="907421941"/>
+      </p:ext>
+    </p:extLst>
+  </p:cSld>
+  <p:clrMapOvr>
+    <a:masterClrMapping/>
+  </p:clrMapOvr>
+</p:sld>
+</file>
+
+<file path=ppt/slides/slide12.xml><?xml version="1.0" encoding="utf-8"?>
 <p:sld xmlns:a="http://schemas.openxmlformats.org/drawingml/2006/main" xmlns:r="http://schemas.openxmlformats.org/officeDocument/2006/relationships" xmlns:p="http://schemas.openxmlformats.org/presentationml/2006/main">
   <p:cSld>
     <p:bg>
@@ -10502,7 +10750,7 @@
 </p:sld>
 </file>
 
-<file path=ppt/slides/slide3.xml><?xml version="1.0" encoding="utf-8"?>
+<file path=ppt/slides/slide13.xml><?xml version="1.0" encoding="utf-8"?>
 <p:sld xmlns:a="http://schemas.openxmlformats.org/drawingml/2006/main" xmlns:r="http://schemas.openxmlformats.org/officeDocument/2006/relationships" xmlns:p="http://schemas.openxmlformats.org/presentationml/2006/main">
   <p:cSld>
     <p:spTree>
@@ -10666,7 +10914,7 @@
 </p:sld>
 </file>
 
-<file path=ppt/slides/slide4.xml><?xml version="1.0" encoding="utf-8"?>
+<file path=ppt/slides/slide14.xml><?xml version="1.0" encoding="utf-8"?>
 <p:sld xmlns:a="http://schemas.openxmlformats.org/drawingml/2006/main" xmlns:r="http://schemas.openxmlformats.org/officeDocument/2006/relationships" xmlns:p="http://schemas.openxmlformats.org/presentationml/2006/main">
   <p:cSld>
     <p:spTree>
@@ -10815,7 +11063,7 @@
 </p:sld>
 </file>
 
-<file path=ppt/slides/slide5.xml><?xml version="1.0" encoding="utf-8"?>
+<file path=ppt/slides/slide15.xml><?xml version="1.0" encoding="utf-8"?>
 <p:sld xmlns:a="http://schemas.openxmlformats.org/drawingml/2006/main" xmlns:r="http://schemas.openxmlformats.org/officeDocument/2006/relationships" xmlns:p="http://schemas.openxmlformats.org/presentationml/2006/main">
   <p:cSld>
     <p:spTree>
@@ -10902,6 +11150,962 @@
     <p:extLst>
       <p:ext uri="{BB962C8B-B14F-4D97-AF65-F5344CB8AC3E}">
         <p14:creationId xmlns:p14="http://schemas.microsoft.com/office/powerpoint/2010/main" val="174395476"/>
+      </p:ext>
+    </p:extLst>
+  </p:cSld>
+  <p:clrMapOvr>
+    <a:masterClrMapping/>
+  </p:clrMapOvr>
+</p:sld>
+</file>
+
+<file path=ppt/slides/slide2.xml><?xml version="1.0" encoding="utf-8"?>
+<p:sld xmlns:a="http://schemas.openxmlformats.org/drawingml/2006/main" xmlns:r="http://schemas.openxmlformats.org/officeDocument/2006/relationships" xmlns:p="http://schemas.openxmlformats.org/presentationml/2006/main">
+  <p:cSld>
+    <p:spTree>
+      <p:nvGrpSpPr>
+        <p:cNvPr id="1" name=""/>
+        <p:cNvGrpSpPr/>
+        <p:nvPr/>
+      </p:nvGrpSpPr>
+      <p:grpSpPr>
+        <a:xfrm>
+          <a:off x="0" y="0"/>
+          <a:ext cx="0" cy="0"/>
+          <a:chOff x="0" y="0"/>
+          <a:chExt cx="0" cy="0"/>
+        </a:xfrm>
+      </p:grpSpPr>
+      <p:sp>
+        <p:nvSpPr>
+          <p:cNvPr id="2" name="Title 1">
+            <a:extLst>
+              <a:ext uri="{FF2B5EF4-FFF2-40B4-BE49-F238E27FC236}">
+                <a16:creationId xmlns:a16="http://schemas.microsoft.com/office/drawing/2014/main" id="{E4056A92-B612-EF42-8B43-C2CAACCF0AB5}"/>
+              </a:ext>
+            </a:extLst>
+          </p:cNvPr>
+          <p:cNvSpPr>
+            <a:spLocks noGrp="1"/>
+          </p:cNvSpPr>
+          <p:nvPr>
+            <p:ph type="title"/>
+          </p:nvPr>
+        </p:nvSpPr>
+        <p:spPr/>
+        <p:txBody>
+          <a:bodyPr/>
+          <a:lstStyle/>
+          <a:p>
+            <a:r>
+              <a:rPr lang="en-US" dirty="0"/>
+              <a:t>MAKE SURE YOUR RECOMMENDATION FITS YOUR AUDIENCE</a:t>
+            </a:r>
+          </a:p>
+        </p:txBody>
+      </p:sp>
+      <p:sp>
+        <p:nvSpPr>
+          <p:cNvPr id="3" name="Content Placeholder 2">
+            <a:extLst>
+              <a:ext uri="{FF2B5EF4-FFF2-40B4-BE49-F238E27FC236}">
+                <a16:creationId xmlns:a16="http://schemas.microsoft.com/office/drawing/2014/main" id="{502B3758-051B-5245-BB7E-82F5038163B7}"/>
+              </a:ext>
+            </a:extLst>
+          </p:cNvPr>
+          <p:cNvSpPr>
+            <a:spLocks noGrp="1"/>
+          </p:cNvSpPr>
+          <p:nvPr>
+            <p:ph idx="1"/>
+          </p:nvPr>
+        </p:nvSpPr>
+        <p:spPr/>
+        <p:txBody>
+          <a:bodyPr/>
+          <a:lstStyle/>
+          <a:p>
+            <a:r>
+              <a:rPr lang="en-US" i="1" dirty="0"/>
+              <a:t>So from both good reviews and poor reviews above, we see toys are mainly bought for sons , thus, </a:t>
+            </a:r>
+            <a:r>
+              <a:rPr lang="en-US" i="1" dirty="0" err="1"/>
+              <a:t>sons'marketing</a:t>
+            </a:r>
+            <a:r>
+              <a:rPr lang="en-US" i="1" dirty="0"/>
+              <a:t> messages tends to outperform other segments, and this toy store should choose parents who buy toys for their sons as their target customers to do promotion.</a:t>
+            </a:r>
+          </a:p>
+        </p:txBody>
+      </p:sp>
+    </p:spTree>
+    <p:extLst>
+      <p:ext uri="{BB962C8B-B14F-4D97-AF65-F5344CB8AC3E}">
+        <p14:creationId xmlns:p14="http://schemas.microsoft.com/office/powerpoint/2010/main" val="1302340545"/>
+      </p:ext>
+    </p:extLst>
+  </p:cSld>
+  <p:clrMapOvr>
+    <a:masterClrMapping/>
+  </p:clrMapOvr>
+</p:sld>
+</file>
+
+<file path=ppt/slides/slide3.xml><?xml version="1.0" encoding="utf-8"?>
+<p:sld xmlns:a="http://schemas.openxmlformats.org/drawingml/2006/main" xmlns:r="http://schemas.openxmlformats.org/officeDocument/2006/relationships" xmlns:p="http://schemas.openxmlformats.org/presentationml/2006/main">
+  <p:cSld>
+    <p:spTree>
+      <p:nvGrpSpPr>
+        <p:cNvPr id="1" name=""/>
+        <p:cNvGrpSpPr/>
+        <p:nvPr/>
+      </p:nvGrpSpPr>
+      <p:grpSpPr>
+        <a:xfrm>
+          <a:off x="0" y="0"/>
+          <a:ext cx="0" cy="0"/>
+          <a:chOff x="0" y="0"/>
+          <a:chExt cx="0" cy="0"/>
+        </a:xfrm>
+      </p:grpSpPr>
+      <p:sp>
+        <p:nvSpPr>
+          <p:cNvPr id="2" name="Title 1">
+            <a:extLst>
+              <a:ext uri="{FF2B5EF4-FFF2-40B4-BE49-F238E27FC236}">
+                <a16:creationId xmlns:a16="http://schemas.microsoft.com/office/drawing/2014/main" id="{76FCACAD-EE27-B046-A9AF-2B070009397D}"/>
+              </a:ext>
+            </a:extLst>
+          </p:cNvPr>
+          <p:cNvSpPr>
+            <a:spLocks noGrp="1"/>
+          </p:cNvSpPr>
+          <p:nvPr>
+            <p:ph type="title"/>
+          </p:nvPr>
+        </p:nvSpPr>
+        <p:spPr/>
+        <p:txBody>
+          <a:bodyPr/>
+          <a:lstStyle/>
+          <a:p>
+            <a:r>
+              <a:rPr lang="en-US" dirty="0"/>
+              <a:t>USE COMMENTS</a:t>
+            </a:r>
+          </a:p>
+        </p:txBody>
+      </p:sp>
+      <p:pic>
+        <p:nvPicPr>
+          <p:cNvPr id="5" name="Content Placeholder 4">
+            <a:extLst>
+              <a:ext uri="{FF2B5EF4-FFF2-40B4-BE49-F238E27FC236}">
+                <a16:creationId xmlns:a16="http://schemas.microsoft.com/office/drawing/2014/main" id="{7F1653F9-279E-564C-9644-968341E20F29}"/>
+              </a:ext>
+            </a:extLst>
+          </p:cNvPr>
+          <p:cNvPicPr>
+            <a:picLocks noGrp="1" noChangeAspect="1"/>
+          </p:cNvPicPr>
+          <p:nvPr>
+            <p:ph idx="1"/>
+          </p:nvPr>
+        </p:nvPicPr>
+        <p:blipFill>
+          <a:blip r:embed="rId2"/>
+          <a:stretch>
+            <a:fillRect/>
+          </a:stretch>
+        </p:blipFill>
+        <p:spPr>
+          <a:xfrm>
+            <a:off x="1164736" y="2181225"/>
+            <a:ext cx="9862528" cy="3678238"/>
+          </a:xfrm>
+        </p:spPr>
+      </p:pic>
+    </p:spTree>
+    <p:extLst>
+      <p:ext uri="{BB962C8B-B14F-4D97-AF65-F5344CB8AC3E}">
+        <p14:creationId xmlns:p14="http://schemas.microsoft.com/office/powerpoint/2010/main" val="2994896713"/>
+      </p:ext>
+    </p:extLst>
+  </p:cSld>
+  <p:clrMapOvr>
+    <a:masterClrMapping/>
+  </p:clrMapOvr>
+</p:sld>
+</file>
+
+<file path=ppt/slides/slide4.xml><?xml version="1.0" encoding="utf-8"?>
+<p:sld xmlns:a="http://schemas.openxmlformats.org/drawingml/2006/main" xmlns:r="http://schemas.openxmlformats.org/officeDocument/2006/relationships" xmlns:p="http://schemas.openxmlformats.org/presentationml/2006/main">
+  <p:cSld>
+    <p:spTree>
+      <p:nvGrpSpPr>
+        <p:cNvPr id="1" name=""/>
+        <p:cNvGrpSpPr/>
+        <p:nvPr/>
+      </p:nvGrpSpPr>
+      <p:grpSpPr>
+        <a:xfrm>
+          <a:off x="0" y="0"/>
+          <a:ext cx="0" cy="0"/>
+          <a:chOff x="0" y="0"/>
+          <a:chExt cx="0" cy="0"/>
+        </a:xfrm>
+      </p:grpSpPr>
+      <p:sp>
+        <p:nvSpPr>
+          <p:cNvPr id="2" name="Title 1">
+            <a:extLst>
+              <a:ext uri="{FF2B5EF4-FFF2-40B4-BE49-F238E27FC236}">
+                <a16:creationId xmlns:a16="http://schemas.microsoft.com/office/drawing/2014/main" id="{13AE68F5-8ADA-9D4F-8E70-B5FB5F8CBE0A}"/>
+              </a:ext>
+            </a:extLst>
+          </p:cNvPr>
+          <p:cNvSpPr>
+            <a:spLocks noGrp="1"/>
+          </p:cNvSpPr>
+          <p:nvPr>
+            <p:ph type="title"/>
+          </p:nvPr>
+        </p:nvSpPr>
+        <p:spPr/>
+        <p:txBody>
+          <a:bodyPr/>
+          <a:lstStyle/>
+          <a:p>
+            <a:r>
+              <a:rPr lang="en-US" dirty="0"/>
+              <a:t>Use visualizations</a:t>
+            </a:r>
+          </a:p>
+        </p:txBody>
+      </p:sp>
+      <p:pic>
+        <p:nvPicPr>
+          <p:cNvPr id="5" name="Content Placeholder 4">
+            <a:extLst>
+              <a:ext uri="{FF2B5EF4-FFF2-40B4-BE49-F238E27FC236}">
+                <a16:creationId xmlns:a16="http://schemas.microsoft.com/office/drawing/2014/main" id="{F78A6F9D-7D88-004C-A228-718AD7DBF590}"/>
+              </a:ext>
+            </a:extLst>
+          </p:cNvPr>
+          <p:cNvPicPr>
+            <a:picLocks noGrp="1" noChangeAspect="1"/>
+          </p:cNvPicPr>
+          <p:nvPr>
+            <p:ph idx="1"/>
+          </p:nvPr>
+        </p:nvPicPr>
+        <p:blipFill>
+          <a:blip r:embed="rId2"/>
+          <a:stretch>
+            <a:fillRect/>
+          </a:stretch>
+        </p:blipFill>
+        <p:spPr>
+          <a:xfrm>
+            <a:off x="1232117" y="2182812"/>
+            <a:ext cx="4104887" cy="3678238"/>
+          </a:xfrm>
+        </p:spPr>
+      </p:pic>
+      <p:pic>
+        <p:nvPicPr>
+          <p:cNvPr id="7" name="Picture 6">
+            <a:extLst>
+              <a:ext uri="{FF2B5EF4-FFF2-40B4-BE49-F238E27FC236}">
+                <a16:creationId xmlns:a16="http://schemas.microsoft.com/office/drawing/2014/main" id="{A6AC3A3A-E083-4A48-8F9B-68D43C623930}"/>
+              </a:ext>
+            </a:extLst>
+          </p:cNvPr>
+          <p:cNvPicPr>
+            <a:picLocks noChangeAspect="1"/>
+          </p:cNvPicPr>
+          <p:nvPr/>
+        </p:nvPicPr>
+        <p:blipFill>
+          <a:blip r:embed="rId3"/>
+          <a:stretch>
+            <a:fillRect/>
+          </a:stretch>
+        </p:blipFill>
+        <p:spPr>
+          <a:xfrm>
+            <a:off x="6096000" y="2791752"/>
+            <a:ext cx="4939517" cy="2722065"/>
+          </a:xfrm>
+          <a:prstGeom prst="rect">
+            <a:avLst/>
+          </a:prstGeom>
+        </p:spPr>
+      </p:pic>
+    </p:spTree>
+    <p:extLst>
+      <p:ext uri="{BB962C8B-B14F-4D97-AF65-F5344CB8AC3E}">
+        <p14:creationId xmlns:p14="http://schemas.microsoft.com/office/powerpoint/2010/main" val="3926246312"/>
+      </p:ext>
+    </p:extLst>
+  </p:cSld>
+  <p:clrMapOvr>
+    <a:masterClrMapping/>
+  </p:clrMapOvr>
+</p:sld>
+</file>
+
+<file path=ppt/slides/slide5.xml><?xml version="1.0" encoding="utf-8"?>
+<p:sld xmlns:a="http://schemas.openxmlformats.org/drawingml/2006/main" xmlns:r="http://schemas.openxmlformats.org/officeDocument/2006/relationships" xmlns:p="http://schemas.openxmlformats.org/presentationml/2006/main">
+  <p:cSld>
+    <p:spTree>
+      <p:nvGrpSpPr>
+        <p:cNvPr id="1" name=""/>
+        <p:cNvGrpSpPr/>
+        <p:nvPr/>
+      </p:nvGrpSpPr>
+      <p:grpSpPr>
+        <a:xfrm>
+          <a:off x="0" y="0"/>
+          <a:ext cx="0" cy="0"/>
+          <a:chOff x="0" y="0"/>
+          <a:chExt cx="0" cy="0"/>
+        </a:xfrm>
+      </p:grpSpPr>
+      <p:sp>
+        <p:nvSpPr>
+          <p:cNvPr id="2" name="Title 1">
+            <a:extLst>
+              <a:ext uri="{FF2B5EF4-FFF2-40B4-BE49-F238E27FC236}">
+                <a16:creationId xmlns:a16="http://schemas.microsoft.com/office/drawing/2014/main" id="{C63AAD2E-C778-AA4A-BD1B-34B70033A8D1}"/>
+              </a:ext>
+            </a:extLst>
+          </p:cNvPr>
+          <p:cNvSpPr>
+            <a:spLocks noGrp="1"/>
+          </p:cNvSpPr>
+          <p:nvPr>
+            <p:ph type="title"/>
+          </p:nvPr>
+        </p:nvSpPr>
+        <p:spPr/>
+        <p:txBody>
+          <a:bodyPr/>
+          <a:lstStyle/>
+          <a:p>
+            <a:r>
+              <a:rPr lang="en-US" dirty="0" err="1"/>
+              <a:t>DON’t</a:t>
+            </a:r>
+            <a:r>
+              <a:rPr lang="en-US" dirty="0"/>
+              <a:t> ASSUME FULL BAG OF WORDS MODEL</a:t>
+            </a:r>
+          </a:p>
+        </p:txBody>
+      </p:sp>
+      <p:pic>
+        <p:nvPicPr>
+          <p:cNvPr id="5" name="Content Placeholder 4">
+            <a:extLst>
+              <a:ext uri="{FF2B5EF4-FFF2-40B4-BE49-F238E27FC236}">
+                <a16:creationId xmlns:a16="http://schemas.microsoft.com/office/drawing/2014/main" id="{884FF8EE-1224-064E-8B45-9FA0F5CFDA3C}"/>
+              </a:ext>
+            </a:extLst>
+          </p:cNvPr>
+          <p:cNvPicPr>
+            <a:picLocks noGrp="1" noChangeAspect="1"/>
+          </p:cNvPicPr>
+          <p:nvPr>
+            <p:ph idx="1"/>
+          </p:nvPr>
+        </p:nvPicPr>
+        <p:blipFill>
+          <a:blip r:embed="rId2"/>
+          <a:stretch>
+            <a:fillRect/>
+          </a:stretch>
+        </p:blipFill>
+        <p:spPr>
+          <a:xfrm>
+            <a:off x="1111250" y="2724944"/>
+            <a:ext cx="9969500" cy="2590800"/>
+          </a:xfrm>
+        </p:spPr>
+      </p:pic>
+    </p:spTree>
+    <p:extLst>
+      <p:ext uri="{BB962C8B-B14F-4D97-AF65-F5344CB8AC3E}">
+        <p14:creationId xmlns:p14="http://schemas.microsoft.com/office/powerpoint/2010/main" val="2823465998"/>
+      </p:ext>
+    </p:extLst>
+  </p:cSld>
+  <p:clrMapOvr>
+    <a:masterClrMapping/>
+  </p:clrMapOvr>
+</p:sld>
+</file>
+
+<file path=ppt/slides/slide6.xml><?xml version="1.0" encoding="utf-8"?>
+<p:sld xmlns:a="http://schemas.openxmlformats.org/drawingml/2006/main" xmlns:r="http://schemas.openxmlformats.org/officeDocument/2006/relationships" xmlns:p="http://schemas.openxmlformats.org/presentationml/2006/main">
+  <p:cSld>
+    <p:spTree>
+      <p:nvGrpSpPr>
+        <p:cNvPr id="1" name=""/>
+        <p:cNvGrpSpPr/>
+        <p:nvPr/>
+      </p:nvGrpSpPr>
+      <p:grpSpPr>
+        <a:xfrm>
+          <a:off x="0" y="0"/>
+          <a:ext cx="0" cy="0"/>
+          <a:chOff x="0" y="0"/>
+          <a:chExt cx="0" cy="0"/>
+        </a:xfrm>
+      </p:grpSpPr>
+      <p:sp>
+        <p:nvSpPr>
+          <p:cNvPr id="2" name="Title 1">
+            <a:extLst>
+              <a:ext uri="{FF2B5EF4-FFF2-40B4-BE49-F238E27FC236}">
+                <a16:creationId xmlns:a16="http://schemas.microsoft.com/office/drawing/2014/main" id="{0372175F-D2D4-004D-8699-D01A80425F9B}"/>
+              </a:ext>
+            </a:extLst>
+          </p:cNvPr>
+          <p:cNvSpPr>
+            <a:spLocks noGrp="1"/>
+          </p:cNvSpPr>
+          <p:nvPr>
+            <p:ph type="title"/>
+          </p:nvPr>
+        </p:nvSpPr>
+        <p:spPr/>
+        <p:txBody>
+          <a:bodyPr/>
+          <a:lstStyle/>
+          <a:p>
+            <a:r>
+              <a:rPr lang="en-US" dirty="0"/>
+              <a:t>PRESENTATION IS STILL IMPORTANT!</a:t>
+            </a:r>
+          </a:p>
+        </p:txBody>
+      </p:sp>
+      <p:pic>
+        <p:nvPicPr>
+          <p:cNvPr id="5" name="Content Placeholder 4">
+            <a:extLst>
+              <a:ext uri="{FF2B5EF4-FFF2-40B4-BE49-F238E27FC236}">
+                <a16:creationId xmlns:a16="http://schemas.microsoft.com/office/drawing/2014/main" id="{5C777C24-3E6B-BE46-B824-4EBF7B524307}"/>
+              </a:ext>
+            </a:extLst>
+          </p:cNvPr>
+          <p:cNvPicPr>
+            <a:picLocks noGrp="1" noChangeAspect="1"/>
+          </p:cNvPicPr>
+          <p:nvPr>
+            <p:ph idx="1"/>
+          </p:nvPr>
+        </p:nvPicPr>
+        <p:blipFill>
+          <a:blip r:embed="rId2"/>
+          <a:stretch>
+            <a:fillRect/>
+          </a:stretch>
+        </p:blipFill>
+        <p:spPr>
+          <a:xfrm>
+            <a:off x="581025" y="3481695"/>
+            <a:ext cx="11029950" cy="1077297"/>
+          </a:xfrm>
+        </p:spPr>
+      </p:pic>
+    </p:spTree>
+    <p:extLst>
+      <p:ext uri="{BB962C8B-B14F-4D97-AF65-F5344CB8AC3E}">
+        <p14:creationId xmlns:p14="http://schemas.microsoft.com/office/powerpoint/2010/main" val="3132362210"/>
+      </p:ext>
+    </p:extLst>
+  </p:cSld>
+  <p:clrMapOvr>
+    <a:masterClrMapping/>
+  </p:clrMapOvr>
+</p:sld>
+</file>
+
+<file path=ppt/slides/slide7.xml><?xml version="1.0" encoding="utf-8"?>
+<p:sld xmlns:a="http://schemas.openxmlformats.org/drawingml/2006/main" xmlns:r="http://schemas.openxmlformats.org/officeDocument/2006/relationships" xmlns:p="http://schemas.openxmlformats.org/presentationml/2006/main">
+  <p:cSld>
+    <p:spTree>
+      <p:nvGrpSpPr>
+        <p:cNvPr id="1" name=""/>
+        <p:cNvGrpSpPr/>
+        <p:nvPr/>
+      </p:nvGrpSpPr>
+      <p:grpSpPr>
+        <a:xfrm>
+          <a:off x="0" y="0"/>
+          <a:ext cx="0" cy="0"/>
+          <a:chOff x="0" y="0"/>
+          <a:chExt cx="0" cy="0"/>
+        </a:xfrm>
+      </p:grpSpPr>
+      <p:sp>
+        <p:nvSpPr>
+          <p:cNvPr id="2" name="Title 1">
+            <a:extLst>
+              <a:ext uri="{FF2B5EF4-FFF2-40B4-BE49-F238E27FC236}">
+                <a16:creationId xmlns:a16="http://schemas.microsoft.com/office/drawing/2014/main" id="{3649C69F-82D6-4B48-814C-D575C7CA38EF}"/>
+              </a:ext>
+            </a:extLst>
+          </p:cNvPr>
+          <p:cNvSpPr>
+            <a:spLocks noGrp="1"/>
+          </p:cNvSpPr>
+          <p:nvPr>
+            <p:ph type="title"/>
+          </p:nvPr>
+        </p:nvSpPr>
+        <p:spPr/>
+        <p:txBody>
+          <a:bodyPr/>
+          <a:lstStyle/>
+          <a:p>
+            <a:r>
+              <a:rPr lang="en-US" dirty="0"/>
+              <a:t>Avoid costly operations inside loops</a:t>
+            </a:r>
+          </a:p>
+        </p:txBody>
+      </p:sp>
+      <p:pic>
+        <p:nvPicPr>
+          <p:cNvPr id="5" name="Content Placeholder 4">
+            <a:extLst>
+              <a:ext uri="{FF2B5EF4-FFF2-40B4-BE49-F238E27FC236}">
+                <a16:creationId xmlns:a16="http://schemas.microsoft.com/office/drawing/2014/main" id="{153C8901-53D4-CE43-972D-6BCCC8BD7426}"/>
+              </a:ext>
+            </a:extLst>
+          </p:cNvPr>
+          <p:cNvPicPr>
+            <a:picLocks noGrp="1" noChangeAspect="1"/>
+          </p:cNvPicPr>
+          <p:nvPr>
+            <p:ph idx="1"/>
+          </p:nvPr>
+        </p:nvPicPr>
+        <p:blipFill>
+          <a:blip r:embed="rId2"/>
+          <a:stretch>
+            <a:fillRect/>
+          </a:stretch>
+        </p:blipFill>
+        <p:spPr>
+          <a:xfrm>
+            <a:off x="2033469" y="2296461"/>
+            <a:ext cx="8125062" cy="670877"/>
+          </a:xfrm>
+        </p:spPr>
+      </p:pic>
+      <p:pic>
+        <p:nvPicPr>
+          <p:cNvPr id="8" name="Picture 7">
+            <a:extLst>
+              <a:ext uri="{FF2B5EF4-FFF2-40B4-BE49-F238E27FC236}">
+                <a16:creationId xmlns:a16="http://schemas.microsoft.com/office/drawing/2014/main" id="{1830B131-2DDF-F74D-ACFA-F17813DF60D7}"/>
+              </a:ext>
+            </a:extLst>
+          </p:cNvPr>
+          <p:cNvPicPr>
+            <a:picLocks noChangeAspect="1"/>
+          </p:cNvPicPr>
+          <p:nvPr/>
+        </p:nvPicPr>
+        <p:blipFill>
+          <a:blip r:embed="rId3"/>
+          <a:stretch>
+            <a:fillRect/>
+          </a:stretch>
+        </p:blipFill>
+        <p:spPr>
+          <a:xfrm>
+            <a:off x="2854888" y="3238494"/>
+            <a:ext cx="6482223" cy="1270663"/>
+          </a:xfrm>
+          <a:prstGeom prst="rect">
+            <a:avLst/>
+          </a:prstGeom>
+        </p:spPr>
+      </p:pic>
+      <p:pic>
+        <p:nvPicPr>
+          <p:cNvPr id="10" name="Picture 9">
+            <a:extLst>
+              <a:ext uri="{FF2B5EF4-FFF2-40B4-BE49-F238E27FC236}">
+                <a16:creationId xmlns:a16="http://schemas.microsoft.com/office/drawing/2014/main" id="{E084887F-9F4F-BA4C-8334-71FCA08CA09B}"/>
+              </a:ext>
+            </a:extLst>
+          </p:cNvPr>
+          <p:cNvPicPr>
+            <a:picLocks noChangeAspect="1"/>
+          </p:cNvPicPr>
+          <p:nvPr/>
+        </p:nvPicPr>
+        <p:blipFill>
+          <a:blip r:embed="rId4"/>
+          <a:stretch>
+            <a:fillRect/>
+          </a:stretch>
+        </p:blipFill>
+        <p:spPr>
+          <a:xfrm>
+            <a:off x="2240105" y="4697561"/>
+            <a:ext cx="7711789" cy="888967"/>
+          </a:xfrm>
+          <a:prstGeom prst="rect">
+            <a:avLst/>
+          </a:prstGeom>
+        </p:spPr>
+      </p:pic>
+      <p:pic>
+        <p:nvPicPr>
+          <p:cNvPr id="12" name="Picture 11">
+            <a:extLst>
+              <a:ext uri="{FF2B5EF4-FFF2-40B4-BE49-F238E27FC236}">
+                <a16:creationId xmlns:a16="http://schemas.microsoft.com/office/drawing/2014/main" id="{FE5EF066-CBA3-1D42-A091-66F4ECDD01BB}"/>
+              </a:ext>
+            </a:extLst>
+          </p:cNvPr>
+          <p:cNvPicPr>
+            <a:picLocks noChangeAspect="1"/>
+          </p:cNvPicPr>
+          <p:nvPr/>
+        </p:nvPicPr>
+        <p:blipFill>
+          <a:blip r:embed="rId5"/>
+          <a:stretch>
+            <a:fillRect/>
+          </a:stretch>
+        </p:blipFill>
+        <p:spPr>
+          <a:xfrm>
+            <a:off x="3293013" y="5787030"/>
+            <a:ext cx="5605973" cy="737628"/>
+          </a:xfrm>
+          <a:prstGeom prst="rect">
+            <a:avLst/>
+          </a:prstGeom>
+        </p:spPr>
+      </p:pic>
+    </p:spTree>
+    <p:extLst>
+      <p:ext uri="{BB962C8B-B14F-4D97-AF65-F5344CB8AC3E}">
+        <p14:creationId xmlns:p14="http://schemas.microsoft.com/office/powerpoint/2010/main" val="3581573380"/>
+      </p:ext>
+    </p:extLst>
+  </p:cSld>
+  <p:clrMapOvr>
+    <a:masterClrMapping/>
+  </p:clrMapOvr>
+</p:sld>
+</file>
+
+<file path=ppt/slides/slide8.xml><?xml version="1.0" encoding="utf-8"?>
+<p:sld xmlns:a="http://schemas.openxmlformats.org/drawingml/2006/main" xmlns:r="http://schemas.openxmlformats.org/officeDocument/2006/relationships" xmlns:p="http://schemas.openxmlformats.org/presentationml/2006/main">
+  <p:cSld>
+    <p:spTree>
+      <p:nvGrpSpPr>
+        <p:cNvPr id="1" name=""/>
+        <p:cNvGrpSpPr/>
+        <p:nvPr/>
+      </p:nvGrpSpPr>
+      <p:grpSpPr>
+        <a:xfrm>
+          <a:off x="0" y="0"/>
+          <a:ext cx="0" cy="0"/>
+          <a:chOff x="0" y="0"/>
+          <a:chExt cx="0" cy="0"/>
+        </a:xfrm>
+      </p:grpSpPr>
+      <p:sp>
+        <p:nvSpPr>
+          <p:cNvPr id="2" name="Title 1">
+            <a:extLst>
+              <a:ext uri="{FF2B5EF4-FFF2-40B4-BE49-F238E27FC236}">
+                <a16:creationId xmlns:a16="http://schemas.microsoft.com/office/drawing/2014/main" id="{713EF814-D7BC-8D41-986A-10423CB091EC}"/>
+              </a:ext>
+            </a:extLst>
+          </p:cNvPr>
+          <p:cNvSpPr>
+            <a:spLocks noGrp="1"/>
+          </p:cNvSpPr>
+          <p:nvPr>
+            <p:ph type="title"/>
+          </p:nvPr>
+        </p:nvSpPr>
+        <p:spPr/>
+        <p:txBody>
+          <a:bodyPr/>
+          <a:lstStyle/>
+          <a:p>
+            <a:r>
+              <a:rPr lang="en-US" dirty="0"/>
+              <a:t>Statistical testing</a:t>
+            </a:r>
+          </a:p>
+        </p:txBody>
+      </p:sp>
+      <p:sp>
+        <p:nvSpPr>
+          <p:cNvPr id="3" name="Content Placeholder 2">
+            <a:extLst>
+              <a:ext uri="{FF2B5EF4-FFF2-40B4-BE49-F238E27FC236}">
+                <a16:creationId xmlns:a16="http://schemas.microsoft.com/office/drawing/2014/main" id="{36F47EA5-EDDB-594E-AE07-E8007655D736}"/>
+              </a:ext>
+            </a:extLst>
+          </p:cNvPr>
+          <p:cNvSpPr>
+            <a:spLocks noGrp="1"/>
+          </p:cNvSpPr>
+          <p:nvPr>
+            <p:ph idx="1"/>
+          </p:nvPr>
+        </p:nvSpPr>
+        <p:spPr/>
+        <p:txBody>
+          <a:bodyPr/>
+          <a:lstStyle/>
+          <a:p>
+            <a:r>
+              <a:rPr lang="en-US" i="1" dirty="0"/>
+              <a:t>Among X good reviews, there are Y reviews mentioning batteries. Among A poor reviews, there are B reviews mentioning batteries. If we do a two population percentages test with a null hypothesis stating that there is no difference in the proportions, we will reject the null hypothesis with a p-value as small as ___ . We may conclude that there indeed is a difference between the proportion of battery-related reviews among good reviews and bad reviews.</a:t>
+            </a:r>
+          </a:p>
+        </p:txBody>
+      </p:sp>
+    </p:spTree>
+    <p:extLst>
+      <p:ext uri="{BB962C8B-B14F-4D97-AF65-F5344CB8AC3E}">
+        <p14:creationId xmlns:p14="http://schemas.microsoft.com/office/powerpoint/2010/main" val="4077661199"/>
+      </p:ext>
+    </p:extLst>
+  </p:cSld>
+  <p:clrMapOvr>
+    <a:masterClrMapping/>
+  </p:clrMapOvr>
+</p:sld>
+</file>
+
+<file path=ppt/slides/slide9.xml><?xml version="1.0" encoding="utf-8"?>
+<p:sld xmlns:a="http://schemas.openxmlformats.org/drawingml/2006/main" xmlns:r="http://schemas.openxmlformats.org/officeDocument/2006/relationships" xmlns:p="http://schemas.openxmlformats.org/presentationml/2006/main">
+  <p:cSld>
+    <p:bg>
+      <p:bgPr>
+        <a:solidFill>
+          <a:schemeClr val="bg1"/>
+        </a:solidFill>
+        <a:effectLst/>
+      </p:bgPr>
+    </p:bg>
+    <p:spTree>
+      <p:nvGrpSpPr>
+        <p:cNvPr id="1" name=""/>
+        <p:cNvGrpSpPr/>
+        <p:nvPr/>
+      </p:nvGrpSpPr>
+      <p:grpSpPr>
+        <a:xfrm>
+          <a:off x="0" y="0"/>
+          <a:ext cx="0" cy="0"/>
+          <a:chOff x="0" y="0"/>
+          <a:chExt cx="0" cy="0"/>
+        </a:xfrm>
+      </p:grpSpPr>
+      <p:sp>
+        <p:nvSpPr>
+          <p:cNvPr id="2" name="Title 1">
+            <a:extLst>
+              <a:ext uri="{FF2B5EF4-FFF2-40B4-BE49-F238E27FC236}">
+                <a16:creationId xmlns:a16="http://schemas.microsoft.com/office/drawing/2014/main" id="{713EF814-D7BC-8D41-986A-10423CB091EC}"/>
+              </a:ext>
+            </a:extLst>
+          </p:cNvPr>
+          <p:cNvSpPr>
+            <a:spLocks noGrp="1"/>
+          </p:cNvSpPr>
+          <p:nvPr>
+            <p:ph type="title"/>
+          </p:nvPr>
+        </p:nvSpPr>
+        <p:spPr>
+          <a:xfrm>
+            <a:off x="581192" y="702156"/>
+            <a:ext cx="11029616" cy="1013800"/>
+          </a:xfrm>
+        </p:spPr>
+        <p:txBody>
+          <a:bodyPr>
+            <a:normAutofit/>
+          </a:bodyPr>
+          <a:lstStyle/>
+          <a:p>
+            <a:r>
+              <a:rPr lang="en-US">
+                <a:solidFill>
+                  <a:srgbClr val="FFFFFF"/>
+                </a:solidFill>
+              </a:rPr>
+              <a:t>Bayesian A-B Testing</a:t>
+            </a:r>
+          </a:p>
+        </p:txBody>
+      </p:sp>
+      <p:sp>
+        <p:nvSpPr>
+          <p:cNvPr id="19" name="Rectangle 18">
+            <a:extLst>
+              <a:ext uri="{FF2B5EF4-FFF2-40B4-BE49-F238E27FC236}">
+                <a16:creationId xmlns:a16="http://schemas.microsoft.com/office/drawing/2014/main" id="{9E661D03-4DD4-45E7-A047-ED722E826D59}"/>
+              </a:ext>
+              <a:ext uri="{C183D7F6-B498-43B3-948B-1728B52AA6E4}">
+                <adec:decorative xmlns:adec="http://schemas.microsoft.com/office/drawing/2017/decorative" val="1"/>
+              </a:ext>
+            </a:extLst>
+          </p:cNvPr>
+          <p:cNvSpPr>
+            <a:spLocks noGrp="1" noRot="1" noChangeAspect="1" noMove="1" noResize="1" noEditPoints="1" noAdjustHandles="1" noChangeArrowheads="1" noChangeShapeType="1" noTextEdit="1"/>
+          </p:cNvSpPr>
+          <p:nvPr>
+            <p:extLst>
+              <p:ext uri="{386F3935-93C4-4BCD-93E2-E3B085C9AB24}">
+                <p16:designElem xmlns:p16="http://schemas.microsoft.com/office/powerpoint/2015/main" val="1"/>
+              </p:ext>
+            </p:extLst>
+          </p:nvPr>
+        </p:nvSpPr>
+        <p:spPr>
+          <a:xfrm>
+            <a:off x="446533" y="2180496"/>
+            <a:ext cx="5404639" cy="4045683"/>
+          </a:xfrm>
+          <a:prstGeom prst="rect">
+            <a:avLst/>
+          </a:prstGeom>
+          <a:solidFill>
+            <a:schemeClr val="bg1"/>
+          </a:solidFill>
+          <a:ln w="38100">
+            <a:solidFill>
+              <a:schemeClr val="accent1"/>
+            </a:solidFill>
+          </a:ln>
+        </p:spPr>
+        <p:style>
+          <a:lnRef idx="2">
+            <a:schemeClr val="accent1">
+              <a:shade val="50000"/>
+            </a:schemeClr>
+          </a:lnRef>
+          <a:fillRef idx="1">
+            <a:schemeClr val="accent1"/>
+          </a:fillRef>
+          <a:effectRef idx="0">
+            <a:schemeClr val="accent1"/>
+          </a:effectRef>
+          <a:fontRef idx="minor">
+            <a:schemeClr val="lt1"/>
+          </a:fontRef>
+        </p:style>
+        <p:txBody>
+          <a:bodyPr rtlCol="0" anchor="ctr"/>
+          <a:lstStyle/>
+          <a:p>
+            <a:pPr algn="ctr"/>
+            <a:endParaRPr lang="en-US"/>
+          </a:p>
+        </p:txBody>
+      </p:sp>
+      <p:pic>
+        <p:nvPicPr>
+          <p:cNvPr id="14" name="Content Placeholder 10">
+            <a:extLst>
+              <a:ext uri="{FF2B5EF4-FFF2-40B4-BE49-F238E27FC236}">
+                <a16:creationId xmlns:a16="http://schemas.microsoft.com/office/drawing/2014/main" id="{16815032-062F-434B-92D8-77E1ADC059A5}"/>
+              </a:ext>
+            </a:extLst>
+          </p:cNvPr>
+          <p:cNvPicPr>
+            <a:picLocks noChangeAspect="1"/>
+          </p:cNvPicPr>
+          <p:nvPr/>
+        </p:nvPicPr>
+        <p:blipFill>
+          <a:blip r:embed="rId2"/>
+          <a:stretch>
+            <a:fillRect/>
+          </a:stretch>
+        </p:blipFill>
+        <p:spPr>
+          <a:xfrm>
+            <a:off x="657225" y="2984468"/>
+            <a:ext cx="4962525" cy="2402395"/>
+          </a:xfrm>
+          <a:prstGeom prst="rect">
+            <a:avLst/>
+          </a:prstGeom>
+        </p:spPr>
+      </p:pic>
+      <p:sp>
+        <p:nvSpPr>
+          <p:cNvPr id="16" name="Content Placeholder 15">
+            <a:extLst>
+              <a:ext uri="{FF2B5EF4-FFF2-40B4-BE49-F238E27FC236}">
+                <a16:creationId xmlns:a16="http://schemas.microsoft.com/office/drawing/2014/main" id="{608D645A-A5D2-429C-811E-2D06AA591D31}"/>
+              </a:ext>
+            </a:extLst>
+          </p:cNvPr>
+          <p:cNvSpPr>
+            <a:spLocks noGrp="1"/>
+          </p:cNvSpPr>
+          <p:nvPr>
+            <p:ph idx="1"/>
+          </p:nvPr>
+        </p:nvSpPr>
+        <p:spPr>
+          <a:xfrm>
+            <a:off x="6335805" y="2180496"/>
+            <a:ext cx="5275001" cy="4045683"/>
+          </a:xfrm>
+        </p:spPr>
+        <p:txBody>
+          <a:bodyPr>
+            <a:normAutofit/>
+          </a:bodyPr>
+          <a:lstStyle/>
+          <a:p>
+            <a:r>
+              <a:rPr lang="en-US" b="1" dirty="0"/>
+              <a:t>Online systems </a:t>
+            </a:r>
+            <a:r>
+              <a:rPr lang="en-US" dirty="0"/>
+              <a:t>– need quick decisions, can live with uncertainty: Data streams in over time.</a:t>
+            </a:r>
+          </a:p>
+          <a:p>
+            <a:r>
+              <a:rPr lang="en-US" dirty="0"/>
+              <a:t>Uses conjugate prior / posteriors to update belief in % good versus % bad reviews.</a:t>
+            </a:r>
+          </a:p>
+        </p:txBody>
+      </p:sp>
+    </p:spTree>
+    <p:extLst>
+      <p:ext uri="{BB962C8B-B14F-4D97-AF65-F5344CB8AC3E}">
+        <p14:creationId xmlns:p14="http://schemas.microsoft.com/office/powerpoint/2010/main" val="2806645218"/>
       </p:ext>
     </p:extLst>
   </p:cSld>
